--- a/learn/vue-how-to-learn/lesson/1.vue 기초/VUE 기본 사항.pptx
+++ b/learn/vue-how-to-learn/lesson/1.vue 기초/VUE 기본 사항.pptx
@@ -959,12 +959,25 @@
             <a:t>VUE</a:t>
           </a:r>
           <a:r>
+            <a:rPr lang="ko-KR" altLang="zh-CN" b="0" i="0" dirty="0" smtClean="0">
+              <a:latin typeface="微软雅黑" panose="020B0503020204020204" pitchFamily="34" charset="-122"/>
+            </a:rPr>
+            <a:t>무엇입니까</a:t>
+          </a:r>
+          <a:r>
+            <a:rPr lang="en-US" altLang="zh-CN" b="0" i="0" dirty="0" smtClean="0">
+              <a:latin typeface="微软雅黑" panose="020B0503020204020204" pitchFamily="34" charset="-122"/>
+              <a:ea typeface="微软雅黑" panose="020B0503020204020204" pitchFamily="34" charset="-122"/>
+            </a:rPr>
+            <a:t>?</a:t>
+          </a:r>
+          <a:r>
             <a:rPr lang="zh-CN" altLang="en-US" b="0" i="0" dirty="0" smtClean="0">
               <a:latin typeface="微软雅黑" panose="020B0503020204020204" pitchFamily="34" charset="-122"/>
               <a:ea typeface="微软雅黑" panose="020B0503020204020204" pitchFamily="34" charset="-122"/>
               <a:cs typeface="Microsoft YaHei Regular" charset="-122"/>
             </a:rPr>
-            <a:t>是什么？</a:t>
+            <a:t>？</a:t>
           </a:r>
           <a:endParaRPr lang="zh-CN" altLang="en-US" b="0" i="0" dirty="0">
             <a:latin typeface="微软雅黑" panose="020B0503020204020204" pitchFamily="34" charset="-122"/>
@@ -1012,12 +1025,10 @@
         <a:lstStyle/>
         <a:p>
           <a:r>
-            <a:rPr lang="zh-CN" altLang="en-US" b="0" i="0" dirty="0" smtClean="0">
+            <a:rPr lang="ko-KR" altLang="en-US" b="0" i="0" dirty="0" smtClean="0">
               <a:latin typeface="微软雅黑" panose="020B0503020204020204" pitchFamily="34" charset="-122"/>
-              <a:ea typeface="微软雅黑" panose="020B0503020204020204" pitchFamily="34" charset="-122"/>
-              <a:cs typeface="Microsoft YaHei Regular" charset="-122"/>
             </a:rPr>
-            <a:t>答疑环节</a:t>
+            <a:t>응답 세션</a:t>
           </a:r>
           <a:endParaRPr lang="zh-CN" altLang="en-US" b="0" i="0" dirty="0">
             <a:latin typeface="微软雅黑" panose="020B0503020204020204" pitchFamily="34" charset="-122"/>
@@ -1065,12 +1076,10 @@
         <a:lstStyle/>
         <a:p>
           <a:r>
-            <a:rPr lang="zh-CN" altLang="en-US" b="0" i="0" dirty="0" smtClean="0">
+            <a:rPr lang="ko-KR" altLang="en-US" b="0" i="0" dirty="0" smtClean="0">
               <a:latin typeface="微软雅黑" panose="020B0503020204020204" pitchFamily="34" charset="-122"/>
-              <a:ea typeface="微软雅黑" panose="020B0503020204020204" pitchFamily="34" charset="-122"/>
-              <a:cs typeface="Microsoft YaHei Regular" charset="-122"/>
             </a:rPr>
-            <a:t>课后作业</a:t>
+            <a:t>방과 후 숙제</a:t>
           </a:r>
           <a:endParaRPr lang="zh-CN" altLang="en-US" b="0" i="0" dirty="0">
             <a:latin typeface="微软雅黑" panose="020B0503020204020204" pitchFamily="34" charset="-122"/>
@@ -1118,12 +1127,10 @@
         <a:lstStyle/>
         <a:p>
           <a:r>
-            <a:rPr lang="zh-CN" altLang="en-US" b="0" i="0" dirty="0" smtClean="0">
+            <a:rPr lang="ko-KR" altLang="en-US" b="0" i="0" dirty="0" smtClean="0">
               <a:latin typeface="微软雅黑" panose="020B0503020204020204" pitchFamily="34" charset="-122"/>
-              <a:ea typeface="微软雅黑" panose="020B0503020204020204" pitchFamily="34" charset="-122"/>
-              <a:cs typeface="Microsoft YaHei Regular" charset="-122"/>
             </a:rPr>
-            <a:t>基础语法</a:t>
+            <a:t>기본 문법</a:t>
           </a:r>
           <a:endParaRPr lang="zh-CN" altLang="en-US" b="0" i="0" dirty="0">
             <a:latin typeface="微软雅黑" panose="020B0503020204020204" pitchFamily="34" charset="-122"/>
@@ -1463,12 +1470,25 @@
             <a:t>VUE</a:t>
           </a:r>
           <a:r>
+            <a:rPr lang="ko-KR" altLang="zh-CN" sz="3000" b="0" i="0" kern="1200" dirty="0" smtClean="0">
+              <a:latin typeface="微软雅黑" panose="020B0503020204020204" pitchFamily="34" charset="-122"/>
+            </a:rPr>
+            <a:t>무엇입니까</a:t>
+          </a:r>
+          <a:r>
+            <a:rPr lang="en-US" altLang="zh-CN" sz="3000" b="0" i="0" kern="1200" dirty="0" smtClean="0">
+              <a:latin typeface="微软雅黑" panose="020B0503020204020204" pitchFamily="34" charset="-122"/>
+              <a:ea typeface="微软雅黑" panose="020B0503020204020204" pitchFamily="34" charset="-122"/>
+            </a:rPr>
+            <a:t>?</a:t>
+          </a:r>
+          <a:r>
             <a:rPr lang="zh-CN" altLang="en-US" sz="3000" b="0" i="0" kern="1200" dirty="0" smtClean="0">
               <a:latin typeface="微软雅黑" panose="020B0503020204020204" pitchFamily="34" charset="-122"/>
               <a:ea typeface="微软雅黑" panose="020B0503020204020204" pitchFamily="34" charset="-122"/>
               <a:cs typeface="Microsoft YaHei Regular" charset="-122"/>
             </a:rPr>
-            <a:t>是什么？</a:t>
+            <a:t>？</a:t>
           </a:r>
           <a:endParaRPr lang="zh-CN" altLang="en-US" sz="3000" b="0" i="0" kern="1200" dirty="0">
             <a:latin typeface="微软雅黑" panose="020B0503020204020204" pitchFamily="34" charset="-122"/>
@@ -1595,12 +1615,10 @@
             </a:spcAft>
           </a:pPr>
           <a:r>
-            <a:rPr lang="zh-CN" altLang="en-US" sz="3000" b="0" i="0" kern="1200" dirty="0" smtClean="0">
+            <a:rPr lang="ko-KR" altLang="en-US" sz="3000" b="0" i="0" kern="1200" dirty="0" smtClean="0">
               <a:latin typeface="微软雅黑" panose="020B0503020204020204" pitchFamily="34" charset="-122"/>
-              <a:ea typeface="微软雅黑" panose="020B0503020204020204" pitchFamily="34" charset="-122"/>
-              <a:cs typeface="Microsoft YaHei Regular" charset="-122"/>
             </a:rPr>
-            <a:t>基础语法</a:t>
+            <a:t>기본 문법</a:t>
           </a:r>
           <a:endParaRPr lang="zh-CN" altLang="en-US" sz="3000" b="0" i="0" kern="1200" dirty="0">
             <a:latin typeface="微软雅黑" panose="020B0503020204020204" pitchFamily="34" charset="-122"/>
@@ -1727,12 +1745,10 @@
             </a:spcAft>
           </a:pPr>
           <a:r>
-            <a:rPr lang="zh-CN" altLang="en-US" sz="3000" b="0" i="0" kern="1200" dirty="0" smtClean="0">
+            <a:rPr lang="ko-KR" altLang="en-US" sz="3000" b="0" i="0" kern="1200" dirty="0" smtClean="0">
               <a:latin typeface="微软雅黑" panose="020B0503020204020204" pitchFamily="34" charset="-122"/>
-              <a:ea typeface="微软雅黑" panose="020B0503020204020204" pitchFamily="34" charset="-122"/>
-              <a:cs typeface="Microsoft YaHei Regular" charset="-122"/>
             </a:rPr>
-            <a:t>答疑环节</a:t>
+            <a:t>응답 세션</a:t>
           </a:r>
           <a:endParaRPr lang="zh-CN" altLang="en-US" sz="3000" b="0" i="0" kern="1200" dirty="0">
             <a:latin typeface="微软雅黑" panose="020B0503020204020204" pitchFamily="34" charset="-122"/>
@@ -1859,12 +1875,10 @@
             </a:spcAft>
           </a:pPr>
           <a:r>
-            <a:rPr lang="zh-CN" altLang="en-US" sz="3000" b="0" i="0" kern="1200" dirty="0" smtClean="0">
+            <a:rPr lang="ko-KR" altLang="en-US" sz="3000" b="0" i="0" kern="1200" dirty="0" smtClean="0">
               <a:latin typeface="微软雅黑" panose="020B0503020204020204" pitchFamily="34" charset="-122"/>
-              <a:ea typeface="微软雅黑" panose="020B0503020204020204" pitchFamily="34" charset="-122"/>
-              <a:cs typeface="Microsoft YaHei Regular" charset="-122"/>
             </a:rPr>
-            <a:t>课后作业</a:t>
+            <a:t>방과 후 숙제</a:t>
           </a:r>
           <a:endParaRPr lang="zh-CN" altLang="en-US" sz="3000" b="0" i="0" kern="1200" dirty="0">
             <a:latin typeface="微软雅黑" panose="020B0503020204020204" pitchFamily="34" charset="-122"/>
@@ -4328,7 +4342,7 @@
             <a:fld id="{DF9D382F-2C83-4B47-A82B-9E6BF2FF0D8F}" type="datetimeFigureOut">
               <a:rPr lang="zh-CN" altLang="en-US" smtClean="0"/>
               <a:pPr/>
-              <a:t>2017/4/14</a:t>
+              <a:t>2018/3/20</a:t>
             </a:fld>
             <a:endParaRPr lang="zh-CN" altLang="en-US" dirty="0"/>
           </a:p>
@@ -6078,7 +6092,7 @@
           <a:p>
             <a:fld id="{530820CF-B880-4189-942D-D702A7CBA730}" type="datetimeFigureOut">
               <a:rPr lang="zh-CN" altLang="en-US" smtClean="0"/>
-              <a:t>2017/4/14</a:t>
+              <a:t>2018/3/20</a:t>
             </a:fld>
             <a:endParaRPr lang="zh-CN" altLang="en-US"/>
           </a:p>
@@ -6265,7 +6279,7 @@
           <a:p>
             <a:fld id="{530820CF-B880-4189-942D-D702A7CBA730}" type="datetimeFigureOut">
               <a:rPr lang="zh-CN" altLang="en-US" smtClean="0"/>
-              <a:t>2017/4/14</a:t>
+              <a:t>2018/3/20</a:t>
             </a:fld>
             <a:endParaRPr lang="zh-CN" altLang="en-US"/>
           </a:p>
@@ -7336,7 +7350,7 @@
           <a:p>
             <a:fld id="{530820CF-B880-4189-942D-D702A7CBA730}" type="datetimeFigureOut">
               <a:rPr lang="zh-CN" altLang="en-US" smtClean="0"/>
-              <a:t>2017/4/14</a:t>
+              <a:t>2018/3/20</a:t>
             </a:fld>
             <a:endParaRPr lang="zh-CN" altLang="en-US"/>
           </a:p>
@@ -7631,7 +7645,7 @@
           <a:p>
             <a:fld id="{530820CF-B880-4189-942D-D702A7CBA730}" type="datetimeFigureOut">
               <a:rPr lang="zh-CN" altLang="en-US" smtClean="0"/>
-              <a:t>2017/4/14</a:t>
+              <a:t>2018/3/20</a:t>
             </a:fld>
             <a:endParaRPr lang="zh-CN" altLang="en-US"/>
           </a:p>
@@ -8101,7 +8115,7 @@
           <a:p>
             <a:fld id="{530820CF-B880-4189-942D-D702A7CBA730}" type="datetimeFigureOut">
               <a:rPr lang="zh-CN" altLang="en-US" smtClean="0"/>
-              <a:t>2017/4/14</a:t>
+              <a:t>2018/3/20</a:t>
             </a:fld>
             <a:endParaRPr lang="zh-CN" altLang="en-US"/>
           </a:p>
@@ -8226,7 +8240,7 @@
           <a:p>
             <a:fld id="{530820CF-B880-4189-942D-D702A7CBA730}" type="datetimeFigureOut">
               <a:rPr lang="zh-CN" altLang="en-US" smtClean="0"/>
-              <a:t>2017/4/14</a:t>
+              <a:t>2018/3/20</a:t>
             </a:fld>
             <a:endParaRPr lang="zh-CN" altLang="en-US"/>
           </a:p>
@@ -8328,7 +8342,7 @@
           <a:p>
             <a:fld id="{530820CF-B880-4189-942D-D702A7CBA730}" type="datetimeFigureOut">
               <a:rPr lang="zh-CN" altLang="en-US" smtClean="0"/>
-              <a:t>2017/4/14</a:t>
+              <a:t>2018/3/20</a:t>
             </a:fld>
             <a:endParaRPr lang="zh-CN" altLang="en-US"/>
           </a:p>
@@ -8612,7 +8626,7 @@
           <a:p>
             <a:fld id="{530820CF-B880-4189-942D-D702A7CBA730}" type="datetimeFigureOut">
               <a:rPr lang="zh-CN" altLang="en-US" smtClean="0"/>
-              <a:t>2017/4/14</a:t>
+              <a:t>2018/3/20</a:t>
             </a:fld>
             <a:endParaRPr lang="zh-CN" altLang="en-US"/>
           </a:p>
@@ -8872,7 +8886,7 @@
           <a:p>
             <a:fld id="{530820CF-B880-4189-942D-D702A7CBA730}" type="datetimeFigureOut">
               <a:rPr lang="zh-CN" altLang="en-US" smtClean="0"/>
-              <a:t>2017/4/14</a:t>
+              <a:t>2018/3/20</a:t>
             </a:fld>
             <a:endParaRPr lang="zh-CN" altLang="en-US"/>
           </a:p>
@@ -9094,7 +9108,7 @@
             <a:fld id="{530820CF-B880-4189-942D-D702A7CBA730}" type="datetimeFigureOut">
               <a:rPr lang="zh-CN" altLang="en-US" smtClean="0"/>
               <a:pPr/>
-              <a:t>2017/4/14</a:t>
+              <a:t>2018/3/20</a:t>
             </a:fld>
             <a:endParaRPr lang="zh-CN" altLang="en-US" dirty="0"/>
           </a:p>
@@ -9489,8 +9503,8 @@
         </p:nvSpPr>
         <p:spPr>
           <a:xfrm>
-            <a:off x="4653875" y="3564037"/>
-            <a:ext cx="4382930" cy="923330"/>
+            <a:off x="5274236" y="3564037"/>
+            <a:ext cx="3142207" cy="923330"/>
           </a:xfrm>
           <a:prstGeom prst="rect">
             <a:avLst/>
@@ -9515,14 +9529,24 @@
               <a:t>VUE</a:t>
             </a:r>
             <a:r>
-              <a:rPr lang="zh-CN" altLang="en-US" sz="5400" dirty="0" smtClean="0">
+              <a:rPr lang="ko-KR" altLang="en-US" sz="5400" dirty="0">
                 <a:solidFill>
                   <a:schemeClr val="bg1"/>
                 </a:solidFill>
                 <a:latin typeface="微软雅黑" panose="020B0503020204020204" pitchFamily="34" charset="-122"/>
                 <a:ea typeface="微软雅黑" panose="020B0503020204020204" pitchFamily="34" charset="-122"/>
               </a:rPr>
-              <a:t>基础入门</a:t>
+              <a:t> </a:t>
+            </a:r>
+            <a:r>
+              <a:rPr lang="ko-KR" altLang="en-US" sz="5400" dirty="0" smtClean="0">
+                <a:solidFill>
+                  <a:schemeClr val="bg1"/>
+                </a:solidFill>
+                <a:latin typeface="微软雅黑" panose="020B0503020204020204" pitchFamily="34" charset="-122"/>
+                <a:ea typeface="微软雅黑" panose="020B0503020204020204" pitchFamily="34" charset="-122"/>
+              </a:rPr>
+              <a:t>기본</a:t>
             </a:r>
             <a:endParaRPr lang="zh-CN" altLang="en-US" sz="5400" dirty="0">
               <a:solidFill>
@@ -9641,25 +9665,25 @@
           </a:lstStyle>
           <a:p>
             <a:r>
-              <a:rPr lang="zh-CN" altLang="en-US" b="0" dirty="0" smtClean="0">
+              <a:rPr lang="ko-KR" altLang="en-US" b="0" dirty="0">
                 <a:cs typeface="Microsoft YaHei Regular" charset="-122"/>
                 <a:sym typeface="Wingdings" panose="05000000000000000000" pitchFamily="2" charset="2"/>
               </a:rPr>
-              <a:t>基础语法</a:t>
-            </a:r>
-            <a:r>
-              <a:rPr lang="en-US" altLang="zh-CN" b="0" dirty="0" smtClean="0">
+              <a:t>기본 문법 </a:t>
+            </a:r>
+            <a:r>
+              <a:rPr lang="en-US" altLang="ko-KR" b="0" dirty="0">
                 <a:cs typeface="Microsoft YaHei Regular" charset="-122"/>
                 <a:sym typeface="Wingdings" panose="05000000000000000000" pitchFamily="2" charset="2"/>
               </a:rPr>
-              <a:t>-</a:t>
-            </a:r>
-            <a:r>
-              <a:rPr lang="zh-CN" altLang="en-US" b="0" dirty="0" smtClean="0">
+              <a:t>- </a:t>
+            </a:r>
+            <a:r>
+              <a:rPr lang="ko-KR" altLang="en-US" b="0" dirty="0">
                 <a:cs typeface="Microsoft YaHei Regular" charset="-122"/>
                 <a:sym typeface="Wingdings" panose="05000000000000000000" pitchFamily="2" charset="2"/>
               </a:rPr>
-              <a:t>条件渲染</a:t>
+              <a:t>조건부 렌더링</a:t>
             </a:r>
             <a:endParaRPr lang="en-US" altLang="zh-CN" b="0" dirty="0">
               <a:cs typeface="Microsoft YaHei Regular" charset="-122"/>
@@ -9677,7 +9701,7 @@
         <p:spPr>
           <a:xfrm>
             <a:off x="1098154" y="1187773"/>
-            <a:ext cx="11737304" cy="2308324"/>
+            <a:ext cx="11737304" cy="2862322"/>
           </a:xfrm>
           <a:prstGeom prst="rect">
             <a:avLst/>
@@ -9696,22 +9720,58 @@
               </a:lnSpc>
             </a:pPr>
             <a:r>
+              <a:rPr kumimoji="1" lang="ko-KR" altLang="en-US" sz="2400" dirty="0">
+                <a:ea typeface="微软雅黑" panose="020B0503020204020204" pitchFamily="34" charset="-122"/>
+              </a:rPr>
+              <a:t>현장의 실제 사용에서</a:t>
+            </a:r>
+            <a:r>
+              <a:rPr kumimoji="1" lang="en-US" altLang="ko-KR" sz="2400" dirty="0">
+                <a:ea typeface="微软雅黑" panose="020B0503020204020204" pitchFamily="34" charset="-122"/>
+              </a:rPr>
+              <a:t>, </a:t>
+            </a:r>
+            <a:r>
+              <a:rPr kumimoji="1" lang="ko-KR" altLang="en-US" sz="2400" dirty="0">
+                <a:ea typeface="微软雅黑" panose="020B0503020204020204" pitchFamily="34" charset="-122"/>
+              </a:rPr>
+              <a:t>그것은 다른 조건을 다른 페이지 또는 데이터를 표시 필터를 몇 가지 조건을 포함합니다</a:t>
+            </a:r>
+            <a:r>
+              <a:rPr kumimoji="1" lang="en-US" altLang="ko-KR" sz="2400" dirty="0">
+                <a:ea typeface="微软雅黑" panose="020B0503020204020204" pitchFamily="34" charset="-122"/>
+              </a:rPr>
+              <a:t>, </a:t>
+            </a:r>
+            <a:r>
+              <a:rPr kumimoji="1" lang="ko-KR" altLang="en-US" sz="2400" dirty="0">
+                <a:ea typeface="微软雅黑" panose="020B0503020204020204" pitchFamily="34" charset="-122"/>
+              </a:rPr>
+              <a:t>일반적인 방법은 많은 조건 판단을 쓰는 </a:t>
+            </a:r>
+            <a:r>
+              <a:rPr kumimoji="1" lang="en-US" altLang="ko-KR" sz="2400" dirty="0">
+                <a:ea typeface="微软雅黑" panose="020B0503020204020204" pitchFamily="34" charset="-122"/>
+              </a:rPr>
+              <a:t>JS</a:t>
+            </a:r>
+            <a:r>
+              <a:rPr kumimoji="1" lang="ko-KR" altLang="en-US" sz="2400" dirty="0">
+                <a:ea typeface="微软雅黑" panose="020B0503020204020204" pitchFamily="34" charset="-122"/>
+              </a:rPr>
+              <a:t>를 사용하는 </a:t>
+            </a:r>
+            <a:r>
+              <a:rPr kumimoji="1" lang="ko-KR" altLang="en-US" sz="2400" dirty="0" smtClean="0">
+                <a:ea typeface="微软雅黑" panose="020B0503020204020204" pitchFamily="34" charset="-122"/>
+              </a:rPr>
+              <a:t>것입니다</a:t>
+            </a:r>
+            <a:r>
               <a:rPr kumimoji="1" lang="zh-CN" altLang="en-US" sz="2400" dirty="0" smtClean="0">
                 <a:ea typeface="微软雅黑" panose="020B0503020204020204" pitchFamily="34" charset="-122"/>
               </a:rPr>
-              <a:t>在实际使用场景中，会涉及到一些条件筛选，不同的条件显示不一样的页面或者数据，通常的处理方式就是用</a:t>
-            </a:r>
-            <a:r>
-              <a:rPr kumimoji="1" lang="en-US" altLang="zh-CN" sz="2400" dirty="0" smtClean="0">
-                <a:ea typeface="微软雅黑" panose="020B0503020204020204" pitchFamily="34" charset="-122"/>
-              </a:rPr>
-              <a:t>JS</a:t>
-            </a:r>
-            <a:r>
-              <a:rPr kumimoji="1" lang="zh-CN" altLang="en-US" sz="2400" dirty="0" smtClean="0">
-                <a:ea typeface="微软雅黑" panose="020B0503020204020204" pitchFamily="34" charset="-122"/>
-              </a:rPr>
-              <a:t>来写许多的条件判断。</a:t>
+              <a:t>。</a:t>
             </a:r>
             <a:endParaRPr kumimoji="1" lang="en-US" altLang="zh-CN" sz="2400" dirty="0" smtClean="0">
               <a:ea typeface="微软雅黑" panose="020B0503020204020204" pitchFamily="34" charset="-122"/>
@@ -9724,34 +9784,46 @@
               </a:lnSpc>
             </a:pPr>
             <a:r>
+              <a:rPr kumimoji="1" lang="en-US" altLang="ko-KR" sz="2400" dirty="0">
+                <a:ea typeface="微软雅黑" panose="020B0503020204020204" pitchFamily="34" charset="-122"/>
+              </a:rPr>
+              <a:t>VUE</a:t>
+            </a:r>
+            <a:r>
+              <a:rPr kumimoji="1" lang="ko-KR" altLang="en-US" sz="2400" dirty="0" err="1">
+                <a:ea typeface="微软雅黑" panose="020B0503020204020204" pitchFamily="34" charset="-122"/>
+              </a:rPr>
+              <a:t>는이</a:t>
+            </a:r>
+            <a:r>
+              <a:rPr kumimoji="1" lang="ko-KR" altLang="en-US" sz="2400" dirty="0">
+                <a:ea typeface="微软雅黑" panose="020B0503020204020204" pitchFamily="34" charset="-122"/>
+              </a:rPr>
+              <a:t> 작업을 단순화하기 위해 </a:t>
+            </a:r>
+            <a:r>
+              <a:rPr kumimoji="1" lang="en-US" altLang="ko-KR" sz="2400" dirty="0">
+                <a:ea typeface="微软雅黑" panose="020B0503020204020204" pitchFamily="34" charset="-122"/>
+              </a:rPr>
+              <a:t>v-if </a:t>
+            </a:r>
+            <a:r>
+              <a:rPr kumimoji="1" lang="ko-KR" altLang="en-US" sz="2400" dirty="0">
+                <a:ea typeface="微软雅黑" panose="020B0503020204020204" pitchFamily="34" charset="-122"/>
+              </a:rPr>
+              <a:t>명령을 제공하며 여기에서 조건부 렌더링이라고하는 데이터 변경 사항으로 포커스를 </a:t>
+            </a:r>
+            <a:r>
+              <a:rPr kumimoji="1" lang="ko-KR" altLang="en-US" sz="2400" dirty="0" smtClean="0">
+                <a:ea typeface="微软雅黑" panose="020B0503020204020204" pitchFamily="34" charset="-122"/>
+              </a:rPr>
+              <a:t>이동합니다</a:t>
+            </a:r>
+            <a:r>
               <a:rPr kumimoji="1" lang="zh-CN" altLang="en-US" sz="2400" dirty="0" smtClean="0">
                 <a:ea typeface="微软雅黑" panose="020B0503020204020204" pitchFamily="34" charset="-122"/>
               </a:rPr>
-              <a:t>而</a:t>
-            </a:r>
-            <a:r>
-              <a:rPr kumimoji="1" lang="en-US" altLang="zh-CN" sz="2400" dirty="0" smtClean="0">
-                <a:ea typeface="微软雅黑" panose="020B0503020204020204" pitchFamily="34" charset="-122"/>
-              </a:rPr>
-              <a:t>VUE</a:t>
-            </a:r>
-            <a:r>
-              <a:rPr kumimoji="1" lang="zh-CN" altLang="en-US" sz="2400" dirty="0" smtClean="0">
-                <a:ea typeface="微软雅黑" panose="020B0503020204020204" pitchFamily="34" charset="-122"/>
-              </a:rPr>
-              <a:t>提供了</a:t>
-            </a:r>
-            <a:r>
-              <a:rPr kumimoji="1" lang="en-US" altLang="zh-CN" sz="2400" dirty="0" smtClean="0">
-                <a:ea typeface="微软雅黑" panose="020B0503020204020204" pitchFamily="34" charset="-122"/>
-              </a:rPr>
-              <a:t>v-if</a:t>
-            </a:r>
-            <a:r>
-              <a:rPr kumimoji="1" lang="zh-CN" altLang="en-US" sz="2400" dirty="0" smtClean="0">
-                <a:ea typeface="微软雅黑" panose="020B0503020204020204" pitchFamily="34" charset="-122"/>
-              </a:rPr>
-              <a:t>指令来简化这一操作，将关注点转移到数据的变化上，这里我们称之为条件渲染。</a:t>
+              <a:t>。</a:t>
             </a:r>
             <a:endParaRPr kumimoji="1" lang="zh-CN" altLang="en-US" sz="2400" dirty="0">
               <a:ea typeface="微软雅黑" panose="020B0503020204020204" pitchFamily="34" charset="-122"/>
@@ -9775,7 +9847,7 @@
         </p:blipFill>
         <p:spPr>
           <a:xfrm>
-            <a:off x="1242169" y="3852863"/>
+            <a:off x="1098154" y="4050095"/>
             <a:ext cx="5421875" cy="935310"/>
           </a:xfrm>
           <a:prstGeom prst="rect">
@@ -9890,25 +9962,25 @@
           </a:lstStyle>
           <a:p>
             <a:r>
-              <a:rPr lang="zh-CN" altLang="en-US" b="0" dirty="0" smtClean="0">
+              <a:rPr lang="ko-KR" altLang="en-US" b="0" dirty="0">
                 <a:cs typeface="Microsoft YaHei Regular" charset="-122"/>
                 <a:sym typeface="Wingdings" panose="05000000000000000000" pitchFamily="2" charset="2"/>
               </a:rPr>
-              <a:t>基础语法</a:t>
-            </a:r>
-            <a:r>
-              <a:rPr lang="en-US" altLang="zh-CN" b="0" dirty="0" smtClean="0">
+              <a:t>기본 문법 </a:t>
+            </a:r>
+            <a:r>
+              <a:rPr lang="en-US" altLang="ko-KR" b="0" dirty="0">
                 <a:cs typeface="Microsoft YaHei Regular" charset="-122"/>
                 <a:sym typeface="Wingdings" panose="05000000000000000000" pitchFamily="2" charset="2"/>
               </a:rPr>
-              <a:t>-</a:t>
-            </a:r>
-            <a:r>
-              <a:rPr lang="zh-CN" altLang="en-US" b="0" dirty="0" smtClean="0">
+              <a:t>- </a:t>
+            </a:r>
+            <a:r>
+              <a:rPr lang="ko-KR" altLang="en-US" b="0" dirty="0">
                 <a:cs typeface="Microsoft YaHei Regular" charset="-122"/>
                 <a:sym typeface="Wingdings" panose="05000000000000000000" pitchFamily="2" charset="2"/>
               </a:rPr>
-              <a:t>列表渲染</a:t>
+              <a:t>목록 렌더링</a:t>
             </a:r>
             <a:endParaRPr lang="en-US" altLang="zh-CN" b="0" dirty="0">
               <a:cs typeface="Microsoft YaHei Regular" charset="-122"/>
@@ -9926,7 +9998,7 @@
         <p:spPr>
           <a:xfrm>
             <a:off x="1062944" y="1403797"/>
-            <a:ext cx="11593288" cy="1754326"/>
+            <a:ext cx="11593288" cy="2308324"/>
           </a:xfrm>
           <a:prstGeom prst="rect">
             <a:avLst/>
@@ -9945,58 +10017,76 @@
               </a:lnSpc>
             </a:pPr>
             <a:r>
+              <a:rPr kumimoji="1" lang="ko-KR" altLang="en-US" sz="2400" dirty="0">
+                <a:ea typeface="微软雅黑" panose="020B0503020204020204" pitchFamily="34" charset="-122"/>
+              </a:rPr>
+              <a:t>프로젝트 목록에서 흔히 발생하는 일반적인 </a:t>
+            </a:r>
+            <a:r>
+              <a:rPr kumimoji="1" lang="en-US" altLang="ko-KR" sz="2400" dirty="0" err="1">
+                <a:ea typeface="微软雅黑" panose="020B0503020204020204" pitchFamily="34" charset="-122"/>
+              </a:rPr>
+              <a:t>Js</a:t>
+            </a:r>
+            <a:r>
+              <a:rPr kumimoji="1" lang="en-US" altLang="ko-KR" sz="2400" dirty="0">
+                <a:ea typeface="微软雅黑" panose="020B0503020204020204" pitchFamily="34" charset="-122"/>
+              </a:rPr>
+              <a:t> </a:t>
+            </a:r>
+            <a:r>
+              <a:rPr kumimoji="1" lang="ko-KR" altLang="en-US" sz="2400" dirty="0">
+                <a:ea typeface="微软雅黑" panose="020B0503020204020204" pitchFamily="34" charset="-122"/>
+              </a:rPr>
+              <a:t>처리는 </a:t>
+            </a:r>
+            <a:r>
+              <a:rPr kumimoji="1" lang="en-US" altLang="ko-KR" sz="2400" dirty="0">
+                <a:ea typeface="微软雅黑" panose="020B0503020204020204" pitchFamily="34" charset="-122"/>
+              </a:rPr>
+              <a:t>for </a:t>
+            </a:r>
+            <a:r>
+              <a:rPr kumimoji="1" lang="ko-KR" altLang="en-US" sz="2400" dirty="0">
+                <a:ea typeface="微软雅黑" panose="020B0503020204020204" pitchFamily="34" charset="-122"/>
+              </a:rPr>
+              <a:t>루프 및 </a:t>
+            </a:r>
+            <a:r>
+              <a:rPr kumimoji="1" lang="en-US" altLang="ko-KR" sz="2400" dirty="0">
+                <a:ea typeface="微软雅黑" panose="020B0503020204020204" pitchFamily="34" charset="-122"/>
+              </a:rPr>
+              <a:t>map, </a:t>
+            </a:r>
+            <a:r>
+              <a:rPr kumimoji="1" lang="en-US" altLang="ko-KR" sz="2400" dirty="0" err="1">
+                <a:ea typeface="微软雅黑" panose="020B0503020204020204" pitchFamily="34" charset="-122"/>
+              </a:rPr>
+              <a:t>forEach</a:t>
+            </a:r>
+            <a:r>
+              <a:rPr kumimoji="1" lang="en-US" altLang="ko-KR" sz="2400" dirty="0">
+                <a:ea typeface="微软雅黑" panose="020B0503020204020204" pitchFamily="34" charset="-122"/>
+              </a:rPr>
+              <a:t> </a:t>
+            </a:r>
+            <a:r>
+              <a:rPr kumimoji="1" lang="ko-KR" altLang="en-US" sz="2400" dirty="0">
+                <a:ea typeface="微软雅黑" panose="020B0503020204020204" pitchFamily="34" charset="-122"/>
+              </a:rPr>
+              <a:t>및 기타 순회 구문을 사용하여 목록의 배열을 조작하는 </a:t>
+            </a:r>
+            <a:r>
+              <a:rPr kumimoji="1" lang="ko-KR" altLang="en-US" sz="2400" dirty="0" smtClean="0">
+                <a:ea typeface="微软雅黑" panose="020B0503020204020204" pitchFamily="34" charset="-122"/>
+              </a:rPr>
+              <a:t>것입니다</a:t>
+            </a:r>
+            <a:r>
               <a:rPr kumimoji="1" lang="zh-CN" altLang="en-US" sz="2400" dirty="0" smtClean="0">
                 <a:ea typeface="微软雅黑" panose="020B0503020204020204" pitchFamily="34" charset="-122"/>
               </a:rPr>
-              <a:t>在项目中经常会遇到列表，通常的</a:t>
-            </a:r>
-            <a:r>
-              <a:rPr kumimoji="1" lang="en-US" altLang="zh-CN" sz="2400" dirty="0" err="1" smtClean="0">
-                <a:ea typeface="微软雅黑" panose="020B0503020204020204" pitchFamily="34" charset="-122"/>
-              </a:rPr>
-              <a:t>Js</a:t>
-            </a:r>
-            <a:r>
-              <a:rPr kumimoji="1" lang="zh-CN" altLang="en-US" sz="2400" dirty="0" smtClean="0">
-                <a:ea typeface="微软雅黑" panose="020B0503020204020204" pitchFamily="34" charset="-122"/>
-              </a:rPr>
-              <a:t>处理方式是用</a:t>
-            </a:r>
-            <a:r>
-              <a:rPr kumimoji="1" lang="en-US" altLang="zh-CN" sz="2400" dirty="0" smtClean="0">
-                <a:ea typeface="微软雅黑" panose="020B0503020204020204" pitchFamily="34" charset="-122"/>
-              </a:rPr>
-              <a:t>for</a:t>
-            </a:r>
-            <a:r>
-              <a:rPr kumimoji="1" lang="zh-CN" altLang="en-US" sz="2400" dirty="0" smtClean="0">
-                <a:ea typeface="微软雅黑" panose="020B0503020204020204" pitchFamily="34" charset="-122"/>
-              </a:rPr>
-              <a:t>循环或者</a:t>
-            </a:r>
-            <a:r>
-              <a:rPr kumimoji="1" lang="en-US" altLang="zh-CN" sz="2400" dirty="0" smtClean="0">
-                <a:ea typeface="微软雅黑" panose="020B0503020204020204" pitchFamily="34" charset="-122"/>
-              </a:rPr>
-              <a:t>map</a:t>
-            </a:r>
-            <a:r>
-              <a:rPr kumimoji="1" lang="zh-CN" altLang="en-US" sz="2400" dirty="0" smtClean="0">
-                <a:ea typeface="微软雅黑" panose="020B0503020204020204" pitchFamily="34" charset="-122"/>
-              </a:rPr>
-              <a:t>、</a:t>
-            </a:r>
-            <a:r>
-              <a:rPr kumimoji="1" lang="en-US" altLang="zh-CN" sz="2400" dirty="0" err="1" smtClean="0">
-                <a:ea typeface="微软雅黑" panose="020B0503020204020204" pitchFamily="34" charset="-122"/>
-              </a:rPr>
-              <a:t>forEach</a:t>
-            </a:r>
-            <a:r>
-              <a:rPr kumimoji="1" lang="zh-CN" altLang="en-US" sz="2400" dirty="0" smtClean="0">
-                <a:ea typeface="微软雅黑" panose="020B0503020204020204" pitchFamily="34" charset="-122"/>
-              </a:rPr>
-              <a:t>等遍历语法来操作列表数组。</a:t>
+              <a:t>。</a:t>
             </a:r>
             <a:endParaRPr kumimoji="1" lang="en-US" altLang="zh-CN" sz="2400" dirty="0" smtClean="0">
               <a:ea typeface="微软雅黑" panose="020B0503020204020204" pitchFamily="34" charset="-122"/>
@@ -10009,40 +10099,64 @@
               </a:lnSpc>
             </a:pPr>
             <a:r>
-              <a:rPr kumimoji="1" lang="en-US" altLang="zh-CN" sz="2400" dirty="0" smtClean="0">
+              <a:rPr kumimoji="1" lang="en-US" altLang="ko-KR" sz="2400" dirty="0">
+                <a:ea typeface="微软雅黑" panose="020B0503020204020204" pitchFamily="34" charset="-122"/>
+              </a:rPr>
+              <a:t>JS</a:t>
+            </a:r>
+            <a:r>
+              <a:rPr kumimoji="1" lang="ko-KR" altLang="en-US" sz="2400" dirty="0">
+                <a:ea typeface="微软雅黑" panose="020B0503020204020204" pitchFamily="34" charset="-122"/>
+              </a:rPr>
+              <a:t>의 동작을 단순화하기 위해 </a:t>
+            </a:r>
+            <a:r>
+              <a:rPr kumimoji="1" lang="en-US" altLang="ko-KR" sz="2400" dirty="0">
                 <a:ea typeface="微软雅黑" panose="020B0503020204020204" pitchFamily="34" charset="-122"/>
               </a:rPr>
               <a:t>VUE</a:t>
             </a:r>
             <a:r>
+              <a:rPr kumimoji="1" lang="ko-KR" altLang="en-US" sz="2400" dirty="0">
+                <a:ea typeface="微软雅黑" panose="020B0503020204020204" pitchFamily="34" charset="-122"/>
+              </a:rPr>
+              <a:t>에 </a:t>
+            </a:r>
+            <a:r>
+              <a:rPr kumimoji="1" lang="en-US" altLang="ko-KR" sz="2400" dirty="0">
+                <a:ea typeface="微软雅黑" panose="020B0503020204020204" pitchFamily="34" charset="-122"/>
+              </a:rPr>
+              <a:t>v-for </a:t>
+            </a:r>
+            <a:r>
+              <a:rPr kumimoji="1" lang="ko-KR" altLang="en-US" sz="2400" dirty="0">
+                <a:ea typeface="微软雅黑" panose="020B0503020204020204" pitchFamily="34" charset="-122"/>
+              </a:rPr>
+              <a:t>명령이 있습니다</a:t>
+            </a:r>
+            <a:r>
+              <a:rPr kumimoji="1" lang="en-US" altLang="ko-KR" sz="2400" dirty="0">
+                <a:ea typeface="微软雅黑" panose="020B0503020204020204" pitchFamily="34" charset="-122"/>
+              </a:rPr>
+              <a:t>. </a:t>
+            </a:r>
+            <a:r>
+              <a:rPr kumimoji="1" lang="ko-KR" altLang="en-US" sz="2400" dirty="0" smtClean="0">
+                <a:ea typeface="微软雅黑" panose="020B0503020204020204" pitchFamily="34" charset="-122"/>
+              </a:rPr>
+              <a:t>목록 </a:t>
+            </a:r>
+            <a:r>
+              <a:rPr kumimoji="1" lang="ko-KR" altLang="en-US" sz="2400" dirty="0" err="1" smtClean="0">
+                <a:ea typeface="微软雅黑" panose="020B0503020204020204" pitchFamily="34" charset="-122"/>
+              </a:rPr>
+              <a:t>렌더링이라고합니다</a:t>
+            </a:r>
+            <a:r>
               <a:rPr kumimoji="1" lang="zh-CN" altLang="en-US" sz="2400" dirty="0" smtClean="0">
                 <a:ea typeface="微软雅黑" panose="020B0503020204020204" pitchFamily="34" charset="-122"/>
               </a:rPr>
-              <a:t>中有一个</a:t>
-            </a:r>
-            <a:r>
-              <a:rPr kumimoji="1" lang="en-US" altLang="zh-CN" sz="2400" dirty="0" smtClean="0">
-                <a:ea typeface="微软雅黑" panose="020B0503020204020204" pitchFamily="34" charset="-122"/>
-              </a:rPr>
-              <a:t>v-for</a:t>
-            </a:r>
-            <a:r>
-              <a:rPr kumimoji="1" lang="zh-CN" altLang="en-US" sz="2400" dirty="0" smtClean="0">
-                <a:ea typeface="微软雅黑" panose="020B0503020204020204" pitchFamily="34" charset="-122"/>
-              </a:rPr>
-              <a:t>指令来简化</a:t>
-            </a:r>
-            <a:r>
-              <a:rPr kumimoji="1" lang="en-US" altLang="zh-CN" sz="2400" dirty="0" smtClean="0">
-                <a:ea typeface="微软雅黑" panose="020B0503020204020204" pitchFamily="34" charset="-122"/>
-              </a:rPr>
-              <a:t>JS</a:t>
-            </a:r>
-            <a:r>
-              <a:rPr kumimoji="1" lang="zh-CN" altLang="en-US" sz="2400" dirty="0" smtClean="0">
-                <a:ea typeface="微软雅黑" panose="020B0503020204020204" pitchFamily="34" charset="-122"/>
-              </a:rPr>
-              <a:t>的行为，我们称之为列表渲染。</a:t>
+              <a:t>。</a:t>
             </a:r>
             <a:endParaRPr kumimoji="1" lang="zh-CN" altLang="en-US" sz="2400" dirty="0">
               <a:ea typeface="微软雅黑" panose="020B0503020204020204" pitchFamily="34" charset="-122"/>
@@ -10066,7 +10180,7 @@
         </p:blipFill>
         <p:spPr>
           <a:xfrm>
-            <a:off x="1098154" y="3492029"/>
+            <a:off x="1098154" y="3780061"/>
             <a:ext cx="3880852" cy="1728192"/>
           </a:xfrm>
           <a:prstGeom prst="rect">
@@ -10181,25 +10295,25 @@
           </a:lstStyle>
           <a:p>
             <a:r>
-              <a:rPr lang="zh-CN" altLang="en-US" b="0" dirty="0" smtClean="0">
+              <a:rPr lang="ko-KR" altLang="en-US" b="0" dirty="0">
                 <a:cs typeface="Microsoft YaHei Regular" charset="-122"/>
                 <a:sym typeface="Wingdings" panose="05000000000000000000" pitchFamily="2" charset="2"/>
               </a:rPr>
-              <a:t>基础语法</a:t>
-            </a:r>
-            <a:r>
-              <a:rPr lang="en-US" altLang="zh-CN" b="0" dirty="0" smtClean="0">
+              <a:t>기본 구문 </a:t>
+            </a:r>
+            <a:r>
+              <a:rPr lang="en-US" altLang="ko-KR" b="0" dirty="0">
                 <a:cs typeface="Microsoft YaHei Regular" charset="-122"/>
                 <a:sym typeface="Wingdings" panose="05000000000000000000" pitchFamily="2" charset="2"/>
               </a:rPr>
-              <a:t>-</a:t>
-            </a:r>
-            <a:r>
-              <a:rPr lang="zh-CN" altLang="en-US" b="0" dirty="0" smtClean="0">
+              <a:t>- </a:t>
+            </a:r>
+            <a:r>
+              <a:rPr lang="ko-KR" altLang="en-US" b="0" dirty="0">
                 <a:cs typeface="Microsoft YaHei Regular" charset="-122"/>
                 <a:sym typeface="Wingdings" panose="05000000000000000000" pitchFamily="2" charset="2"/>
               </a:rPr>
-              <a:t>事件处理器</a:t>
+              <a:t>이벤트 프로세서</a:t>
             </a:r>
             <a:endParaRPr lang="en-US" altLang="zh-CN" b="0" dirty="0">
               <a:cs typeface="Microsoft YaHei Regular" charset="-122"/>
@@ -10217,7 +10331,7 @@
         <p:spPr>
           <a:xfrm>
             <a:off x="1098154" y="1426734"/>
-            <a:ext cx="11161240" cy="1134413"/>
+            <a:ext cx="11161240" cy="1754326"/>
           </a:xfrm>
           <a:prstGeom prst="rect">
             <a:avLst/>
@@ -10236,46 +10350,100 @@
               </a:lnSpc>
             </a:pPr>
             <a:r>
+              <a:rPr kumimoji="1" lang="ko-KR" altLang="en-US" sz="2400" dirty="0">
+                <a:ea typeface="微软雅黑" panose="020B0503020204020204" pitchFamily="34" charset="-122"/>
+              </a:rPr>
+              <a:t>클릭 이벤트</a:t>
+            </a:r>
+            <a:r>
+              <a:rPr kumimoji="1" lang="en-US" altLang="ko-KR" sz="2400" dirty="0">
+                <a:ea typeface="微软雅黑" panose="020B0503020204020204" pitchFamily="34" charset="-122"/>
+              </a:rPr>
+              <a:t>, </a:t>
+            </a:r>
+            <a:r>
+              <a:rPr kumimoji="1" lang="ko-KR" altLang="en-US" sz="2400" dirty="0">
+                <a:ea typeface="微软雅黑" panose="020B0503020204020204" pitchFamily="34" charset="-122"/>
+              </a:rPr>
+              <a:t>키 이벤트</a:t>
+            </a:r>
+            <a:r>
+              <a:rPr kumimoji="1" lang="en-US" altLang="ko-KR" sz="2400" dirty="0">
+                <a:ea typeface="微软雅黑" panose="020B0503020204020204" pitchFamily="34" charset="-122"/>
+              </a:rPr>
+              <a:t>, </a:t>
+            </a:r>
+            <a:r>
+              <a:rPr kumimoji="1" lang="ko-KR" altLang="en-US" sz="2400" dirty="0">
+                <a:ea typeface="微软雅黑" panose="020B0503020204020204" pitchFamily="34" charset="-122"/>
+              </a:rPr>
+              <a:t>포커스 이벤트 등 과거 </a:t>
+            </a:r>
+            <a:r>
+              <a:rPr kumimoji="1" lang="en-US" altLang="ko-KR" sz="2400" dirty="0">
+                <a:ea typeface="微软雅黑" panose="020B0503020204020204" pitchFamily="34" charset="-122"/>
+              </a:rPr>
+              <a:t>JS</a:t>
+            </a:r>
+            <a:r>
+              <a:rPr kumimoji="1" lang="ko-KR" altLang="en-US" sz="2400" dirty="0">
+                <a:ea typeface="微软雅黑" panose="020B0503020204020204" pitchFamily="34" charset="-122"/>
+              </a:rPr>
+              <a:t>에서 사용 된 이벤트 </a:t>
+            </a:r>
+            <a:r>
+              <a:rPr kumimoji="1" lang="ko-KR" altLang="en-US" sz="2400" dirty="0" err="1" smtClean="0">
+                <a:ea typeface="微软雅黑" panose="020B0503020204020204" pitchFamily="34" charset="-122"/>
+              </a:rPr>
+              <a:t>리스너</a:t>
+            </a:r>
+            <a:r>
               <a:rPr kumimoji="1" lang="zh-CN" altLang="en-US" sz="2400" dirty="0" smtClean="0">
                 <a:ea typeface="微软雅黑" panose="020B0503020204020204" pitchFamily="34" charset="-122"/>
               </a:rPr>
-              <a:t>事件监听在以往的</a:t>
-            </a:r>
-            <a:r>
-              <a:rPr kumimoji="1" lang="en-US" altLang="zh-CN" sz="2400" dirty="0" smtClean="0">
-                <a:ea typeface="微软雅黑" panose="020B0503020204020204" pitchFamily="34" charset="-122"/>
-              </a:rPr>
-              <a:t>JS</a:t>
+              <a:t>。</a:t>
+            </a:r>
+            <a:r>
+              <a:rPr kumimoji="1" lang="ko-KR" altLang="en-US" sz="2400" dirty="0" smtClean="0">
+                <a:ea typeface="微软雅黑" panose="020B0503020204020204" pitchFamily="34" charset="-122"/>
+              </a:rPr>
+              <a:t> </a:t>
+            </a:r>
+            <a:r>
+              <a:rPr kumimoji="1" lang="ko-KR" altLang="en-US" sz="2400" dirty="0">
+                <a:ea typeface="微软雅黑" panose="020B0503020204020204" pitchFamily="34" charset="-122"/>
+              </a:rPr>
+              <a:t>듣는 많은 방법이 있습니다 </a:t>
+            </a:r>
+            <a:r>
+              <a:rPr kumimoji="1" lang="en-US" altLang="ko-KR" sz="2400" dirty="0">
+                <a:ea typeface="微软雅黑" panose="020B0503020204020204" pitchFamily="34" charset="-122"/>
+              </a:rPr>
+              <a:t>.VUE </a:t>
+            </a:r>
+            <a:r>
+              <a:rPr kumimoji="1" lang="ko-KR" altLang="en-US" sz="2400" dirty="0">
+                <a:ea typeface="微软雅黑" panose="020B0503020204020204" pitchFamily="34" charset="-122"/>
+              </a:rPr>
+              <a:t>리프는 해당 듣기 방법을 제공합니다 </a:t>
+            </a:r>
+            <a:r>
+              <a:rPr kumimoji="1" lang="en-US" altLang="ko-KR" sz="2400" dirty="0">
+                <a:ea typeface="微软雅黑" panose="020B0503020204020204" pitchFamily="34" charset="-122"/>
+              </a:rPr>
+              <a:t>: v-on </a:t>
+            </a:r>
+            <a:r>
+              <a:rPr kumimoji="1" lang="ko-KR" altLang="en-US" sz="2400" dirty="0">
+                <a:ea typeface="微软雅黑" panose="020B0503020204020204" pitchFamily="34" charset="-122"/>
+              </a:rPr>
+              <a:t>지시 </a:t>
             </a:r>
             <a:r>
               <a:rPr kumimoji="1" lang="zh-CN" altLang="en-US" sz="2400" dirty="0" smtClean="0">
                 <a:ea typeface="微软雅黑" panose="020B0503020204020204" pitchFamily="34" charset="-122"/>
               </a:rPr>
-              <a:t>中用的很多了，包括点击事件、按键事件、焦点事件等等。监听的方式也有很多，</a:t>
-            </a:r>
-            <a:r>
-              <a:rPr kumimoji="1" lang="en-US" altLang="zh-CN" sz="2400" dirty="0" smtClean="0">
-                <a:ea typeface="微软雅黑" panose="020B0503020204020204" pitchFamily="34" charset="-122"/>
-              </a:rPr>
-              <a:t>VUE</a:t>
-            </a:r>
-            <a:r>
-              <a:rPr kumimoji="1" lang="zh-CN" altLang="en-US" sz="2400" dirty="0" smtClean="0">
-                <a:ea typeface="微软雅黑" panose="020B0503020204020204" pitchFamily="34" charset="-122"/>
-              </a:rPr>
-              <a:t>叶提供了相应的监听方法：</a:t>
-            </a:r>
-            <a:r>
-              <a:rPr kumimoji="1" lang="en-US" altLang="zh-CN" sz="2400" dirty="0" smtClean="0">
-                <a:ea typeface="微软雅黑" panose="020B0503020204020204" pitchFamily="34" charset="-122"/>
-              </a:rPr>
-              <a:t>v-on</a:t>
-            </a:r>
-            <a:r>
-              <a:rPr kumimoji="1" lang="zh-CN" altLang="en-US" sz="2400" dirty="0" smtClean="0">
-                <a:ea typeface="微软雅黑" panose="020B0503020204020204" pitchFamily="34" charset="-122"/>
-              </a:rPr>
-              <a:t>指令。</a:t>
+              <a:t>。</a:t>
             </a:r>
             <a:endParaRPr kumimoji="1" lang="zh-CN" altLang="en-US" sz="2400" dirty="0">
               <a:ea typeface="微软雅黑" panose="020B0503020204020204" pitchFamily="34" charset="-122"/>
@@ -10414,25 +10582,25 @@
           </a:lstStyle>
           <a:p>
             <a:r>
-              <a:rPr lang="zh-CN" altLang="en-US" b="0" dirty="0" smtClean="0">
+              <a:rPr lang="ko-KR" altLang="en-US" b="0" dirty="0">
                 <a:cs typeface="Microsoft YaHei Regular" charset="-122"/>
                 <a:sym typeface="Wingdings" panose="05000000000000000000" pitchFamily="2" charset="2"/>
               </a:rPr>
-              <a:t>基础语法</a:t>
-            </a:r>
-            <a:r>
-              <a:rPr lang="en-US" altLang="zh-CN" b="0" dirty="0" smtClean="0">
+              <a:t>기본 문법 </a:t>
+            </a:r>
+            <a:r>
+              <a:rPr lang="en-US" altLang="ko-KR" b="0" dirty="0">
                 <a:cs typeface="Microsoft YaHei Regular" charset="-122"/>
                 <a:sym typeface="Wingdings" panose="05000000000000000000" pitchFamily="2" charset="2"/>
               </a:rPr>
-              <a:t>-</a:t>
-            </a:r>
-            <a:r>
-              <a:rPr lang="zh-CN" altLang="en-US" b="0" dirty="0" smtClean="0">
+              <a:t>- </a:t>
+            </a:r>
+            <a:r>
+              <a:rPr lang="ko-KR" altLang="en-US" b="0" dirty="0">
                 <a:cs typeface="Microsoft YaHei Regular" charset="-122"/>
                 <a:sym typeface="Wingdings" panose="05000000000000000000" pitchFamily="2" charset="2"/>
               </a:rPr>
-              <a:t>表单控件绑定</a:t>
+              <a:t>폼 컨트롤 바인딩</a:t>
             </a:r>
             <a:endParaRPr lang="en-US" altLang="zh-CN" b="0" dirty="0">
               <a:cs typeface="Microsoft YaHei Regular" charset="-122"/>
@@ -10450,7 +10618,7 @@
         <p:spPr>
           <a:xfrm>
             <a:off x="1098154" y="1331789"/>
-            <a:ext cx="11809312" cy="2862322"/>
+            <a:ext cx="11809312" cy="3970318"/>
           </a:xfrm>
           <a:prstGeom prst="rect">
             <a:avLst/>
@@ -10469,22 +10637,34 @@
               </a:lnSpc>
             </a:pPr>
             <a:r>
+              <a:rPr kumimoji="1" lang="ko-KR" altLang="en-US" sz="2400" dirty="0">
+                <a:ea typeface="微软雅黑" panose="020B0503020204020204" pitchFamily="34" charset="-122"/>
+              </a:rPr>
+              <a:t>페이지에서 데이터 상호 작용의 필수 요소는 양식 요소입니다</a:t>
+            </a:r>
+            <a:r>
+              <a:rPr kumimoji="1" lang="en-US" altLang="ko-KR" sz="2400" dirty="0">
+                <a:ea typeface="微软雅黑" panose="020B0503020204020204" pitchFamily="34" charset="-122"/>
+              </a:rPr>
+              <a:t>. </a:t>
+            </a:r>
+            <a:r>
+              <a:rPr kumimoji="1" lang="ko-KR" altLang="en-US" sz="2400" dirty="0">
+                <a:ea typeface="微软雅黑" panose="020B0503020204020204" pitchFamily="34" charset="-122"/>
+              </a:rPr>
+              <a:t>양식 값을 가져 오는 일반적인 방법은 양식 요소를 먼저 찾은 다음 해당 요소의 값을 사용하여 값을 얻는 것입니다</a:t>
+            </a:r>
+            <a:r>
+              <a:rPr kumimoji="1" lang="en-US" altLang="ko-KR" sz="2400" dirty="0" smtClean="0">
+                <a:ea typeface="微软雅黑" panose="020B0503020204020204" pitchFamily="34" charset="-122"/>
+              </a:rPr>
+              <a:t>.</a:t>
+            </a:r>
+            <a:r>
               <a:rPr kumimoji="1" lang="zh-CN" altLang="en-US" sz="2400" dirty="0" smtClean="0">
                 <a:ea typeface="微软雅黑" panose="020B0503020204020204" pitchFamily="34" charset="-122"/>
               </a:rPr>
-              <a:t>页面的数据交互中必不可少的就是表单元素，传统的获取表单值的方式都是先找到表单元素，然后通过对应元素的</a:t>
-            </a:r>
-            <a:r>
-              <a:rPr kumimoji="1" lang="en-US" altLang="zh-CN" sz="2400" dirty="0" smtClean="0">
-                <a:ea typeface="微软雅黑" panose="020B0503020204020204" pitchFamily="34" charset="-122"/>
-              </a:rPr>
-              <a:t>value</a:t>
-            </a:r>
-            <a:r>
-              <a:rPr kumimoji="1" lang="zh-CN" altLang="en-US" sz="2400" dirty="0" smtClean="0">
-                <a:ea typeface="微软雅黑" panose="020B0503020204020204" pitchFamily="34" charset="-122"/>
-              </a:rPr>
-              <a:t>值来取值。</a:t>
+              <a:t>。</a:t>
             </a:r>
             <a:endParaRPr kumimoji="1" lang="en-US" altLang="zh-CN" sz="2400" dirty="0" smtClean="0">
               <a:ea typeface="微软雅黑" panose="020B0503020204020204" pitchFamily="34" charset="-122"/>
@@ -10497,70 +10677,88 @@
               </a:lnSpc>
             </a:pPr>
             <a:r>
-              <a:rPr kumimoji="1" lang="zh-CN" altLang="en-US" sz="2400" dirty="0" smtClean="0">
-                <a:ea typeface="微软雅黑" panose="020B0503020204020204" pitchFamily="34" charset="-122"/>
-              </a:rPr>
-              <a:t>在</a:t>
-            </a:r>
-            <a:r>
-              <a:rPr kumimoji="1" lang="en-US" altLang="zh-CN" sz="2400" dirty="0" smtClean="0">
+              <a:rPr kumimoji="1" lang="en-US" altLang="ko-KR" sz="2400" dirty="0">
                 <a:ea typeface="微软雅黑" panose="020B0503020204020204" pitchFamily="34" charset="-122"/>
               </a:rPr>
               <a:t>VUE</a:t>
             </a:r>
             <a:r>
-              <a:rPr kumimoji="1" lang="zh-CN" altLang="en-US" sz="2400" dirty="0" smtClean="0">
-                <a:ea typeface="微软雅黑" panose="020B0503020204020204" pitchFamily="34" charset="-122"/>
-              </a:rPr>
-              <a:t>中</a:t>
+              <a:rPr kumimoji="1" lang="ko-KR" altLang="en-US" sz="2400" dirty="0">
+                <a:ea typeface="微软雅黑" panose="020B0503020204020204" pitchFamily="34" charset="-122"/>
+              </a:rPr>
+              <a:t>에서는 </a:t>
+            </a:r>
+            <a:r>
+              <a:rPr kumimoji="1" lang="en-US" altLang="ko-KR" sz="2400" dirty="0">
+                <a:ea typeface="微软雅黑" panose="020B0503020204020204" pitchFamily="34" charset="-122"/>
+              </a:rPr>
+              <a:t>v-model </a:t>
+            </a:r>
+            <a:r>
+              <a:rPr kumimoji="1" lang="ko-KR" altLang="en-US" sz="2400" dirty="0">
+                <a:ea typeface="微软雅黑" panose="020B0503020204020204" pitchFamily="34" charset="-122"/>
+              </a:rPr>
+              <a:t>지시어를 사용하여 양식 컨트롤 요소에 양방향 데이터 바인딩을 만들 수 있습니다</a:t>
+            </a:r>
+            <a:r>
+              <a:rPr kumimoji="1" lang="en-US" altLang="ko-KR" sz="2400" dirty="0">
+                <a:ea typeface="微软雅黑" panose="020B0503020204020204" pitchFamily="34" charset="-122"/>
+              </a:rPr>
+              <a:t>. </a:t>
+            </a:r>
+            <a:r>
+              <a:rPr kumimoji="1" lang="ko-KR" altLang="en-US" sz="2400" dirty="0">
+                <a:ea typeface="微软雅黑" panose="020B0503020204020204" pitchFamily="34" charset="-122"/>
+              </a:rPr>
+              <a:t>단순히 데이터를 얻기 위해 요소의 속성 이름 만 </a:t>
+            </a:r>
+            <a:r>
+              <a:rPr kumimoji="1" lang="ko-KR" altLang="en-US" sz="2400" dirty="0" err="1" smtClean="0">
+                <a:ea typeface="微软雅黑" panose="020B0503020204020204" pitchFamily="34" charset="-122"/>
+              </a:rPr>
+              <a:t>기억하면됩니다</a:t>
+            </a:r>
+            <a:r>
+              <a:rPr kumimoji="1" lang="en-US" altLang="ko-KR" sz="2400" dirty="0" smtClean="0">
+                <a:ea typeface="微软雅黑" panose="020B0503020204020204" pitchFamily="34" charset="-122"/>
+              </a:rPr>
+              <a:t> </a:t>
             </a:r>
             <a:r>
               <a:rPr lang="zh-CN" altLang="en-US" sz="2400" dirty="0" smtClean="0">
                 <a:ea typeface="微软雅黑" panose="020B0503020204020204" pitchFamily="34" charset="-122"/>
               </a:rPr>
-              <a:t>可以</a:t>
-            </a:r>
-            <a:r>
-              <a:rPr lang="zh-CN" altLang="en-US" sz="2400" dirty="0">
-                <a:ea typeface="微软雅黑" panose="020B0503020204020204" pitchFamily="34" charset="-122"/>
-              </a:rPr>
-              <a:t>用 </a:t>
-            </a:r>
-            <a:r>
-              <a:rPr lang="en-US" altLang="zh-CN" sz="2400" dirty="0">
-                <a:ea typeface="微软雅黑" panose="020B0503020204020204" pitchFamily="34" charset="-122"/>
-              </a:rPr>
-              <a:t>v-model</a:t>
-            </a:r>
-            <a:r>
-              <a:rPr lang="zh-CN" altLang="en-US" sz="2400" dirty="0">
-                <a:ea typeface="微软雅黑" panose="020B0503020204020204" pitchFamily="34" charset="-122"/>
-              </a:rPr>
-              <a:t> 指令在表单控件元素上创建双向数据</a:t>
+              <a:t>。</a:t>
+            </a:r>
+            <a:r>
+              <a:rPr lang="ko-KR" altLang="en-US" sz="2400" dirty="0" smtClean="0">
+                <a:ea typeface="微软雅黑" panose="020B0503020204020204" pitchFamily="34" charset="-122"/>
+              </a:rPr>
+              <a:t> </a:t>
+            </a:r>
+            <a:r>
+              <a:rPr lang="en-US" altLang="ko-KR" sz="2400" dirty="0">
+                <a:ea typeface="微软雅黑" panose="020B0503020204020204" pitchFamily="34" charset="-122"/>
+              </a:rPr>
+              <a:t>V- </a:t>
+            </a:r>
+            <a:r>
+              <a:rPr lang="ko-KR" altLang="en-US" sz="2400" dirty="0">
+                <a:ea typeface="微软雅黑" panose="020B0503020204020204" pitchFamily="34" charset="-122"/>
+              </a:rPr>
+              <a:t>모델은 또한 컨트롤 유형에 따라 요소를 업데이트하는 올바른 방법을 자동으로 선택합니다</a:t>
+            </a:r>
+            <a:r>
+              <a:rPr lang="en-US" altLang="ko-KR" sz="2400" dirty="0">
+                <a:ea typeface="微软雅黑" panose="020B0503020204020204" pitchFamily="34" charset="-122"/>
+              </a:rPr>
+              <a:t>. </a:t>
             </a:r>
             <a:r>
               <a:rPr lang="zh-CN" altLang="en-US" sz="2400" dirty="0" smtClean="0">
                 <a:ea typeface="微软雅黑" panose="020B0503020204020204" pitchFamily="34" charset="-122"/>
               </a:rPr>
-              <a:t>绑定，只需要记住元素对应的属性名就能简单获取数据。</a:t>
-            </a:r>
-            <a:r>
-              <a:rPr lang="en-US" altLang="zh-CN" sz="2400" dirty="0" smtClean="0">
-                <a:ea typeface="微软雅黑" panose="020B0503020204020204" pitchFamily="34" charset="-122"/>
-              </a:rPr>
-              <a:t>V-model</a:t>
-            </a:r>
-            <a:r>
-              <a:rPr lang="zh-CN" altLang="en-US" sz="2400" dirty="0" smtClean="0">
-                <a:ea typeface="微软雅黑" panose="020B0503020204020204" pitchFamily="34" charset="-122"/>
-              </a:rPr>
-              <a:t>还会</a:t>
-            </a:r>
-            <a:r>
-              <a:rPr lang="zh-CN" altLang="en-US" sz="2400" dirty="0">
-                <a:ea typeface="微软雅黑" panose="020B0503020204020204" pitchFamily="34" charset="-122"/>
-              </a:rPr>
-              <a:t>根据控件类型自动选取正确的方法来更新元素。</a:t>
+              <a:t>。</a:t>
             </a:r>
             <a:endParaRPr kumimoji="1" lang="zh-CN" altLang="en-US" sz="2400" dirty="0">
               <a:ea typeface="微软雅黑" panose="020B0503020204020204" pitchFamily="34" charset="-122"/>
@@ -10584,7 +10782,7 @@
         </p:blipFill>
         <p:spPr>
           <a:xfrm>
-            <a:off x="1117800" y="4662349"/>
+            <a:off x="1098154" y="5671243"/>
             <a:ext cx="6004260" cy="845904"/>
           </a:xfrm>
           <a:prstGeom prst="rect">
@@ -10699,11 +10897,11 @@
           </a:lstStyle>
           <a:p>
             <a:r>
-              <a:rPr lang="zh-CN" altLang="en-US" b="0" dirty="0" smtClean="0">
+              <a:rPr lang="ko-KR" altLang="en-US" b="0" dirty="0">
                 <a:cs typeface="Microsoft YaHei Regular" charset="-122"/>
                 <a:sym typeface="Wingdings" panose="05000000000000000000" pitchFamily="2" charset="2"/>
               </a:rPr>
-              <a:t>答疑环节</a:t>
+              <a:t>응답 세션</a:t>
             </a:r>
             <a:endParaRPr lang="en-US" altLang="zh-CN" b="0" dirty="0">
               <a:cs typeface="Microsoft YaHei Regular" charset="-122"/>
@@ -10721,7 +10919,7 @@
         <p:spPr>
           <a:xfrm>
             <a:off x="4410522" y="3083422"/>
-            <a:ext cx="5050720" cy="769441"/>
+            <a:ext cx="5050720" cy="1446550"/>
           </a:xfrm>
           <a:prstGeom prst="rect">
             <a:avLst/>
@@ -10735,10 +10933,16 @@
           <a:lstStyle/>
           <a:p>
             <a:r>
-              <a:rPr kumimoji="1" lang="zh-CN" altLang="en-US" sz="4400" dirty="0" smtClean="0">
-                <a:ea typeface="微软雅黑" panose="020B0503020204020204" pitchFamily="34" charset="-122"/>
-              </a:rPr>
-              <a:t>欢迎大家踊跃提问！</a:t>
+              <a:rPr kumimoji="1" lang="ko-KR" altLang="en-US" sz="4400" dirty="0">
+                <a:ea typeface="微软雅黑" panose="020B0503020204020204" pitchFamily="34" charset="-122"/>
+              </a:rPr>
+              <a:t>모든 사람들에게 질문을 환영합니다</a:t>
+            </a:r>
+            <a:r>
+              <a:rPr kumimoji="1" lang="en-US" altLang="ko-KR" sz="4400" dirty="0">
+                <a:ea typeface="微软雅黑" panose="020B0503020204020204" pitchFamily="34" charset="-122"/>
+              </a:rPr>
+              <a:t>.</a:t>
             </a:r>
             <a:endParaRPr kumimoji="1" lang="zh-CN" altLang="en-US" sz="4400" dirty="0">
               <a:ea typeface="微软雅黑" panose="020B0503020204020204" pitchFamily="34" charset="-122"/>
@@ -10803,7 +11007,7 @@
         </p:nvSpPr>
         <p:spPr>
           <a:xfrm>
-            <a:off x="1098154" y="154980"/>
+            <a:off x="1098154" y="179661"/>
             <a:ext cx="8723128" cy="384721"/>
           </a:xfrm>
           <a:prstGeom prst="rect">
@@ -10853,11 +11057,11 @@
           </a:lstStyle>
           <a:p>
             <a:r>
-              <a:rPr lang="zh-CN" altLang="en-US" b="0" dirty="0" smtClean="0">
+              <a:rPr lang="ko-KR" altLang="en-US" b="0" dirty="0">
                 <a:cs typeface="Microsoft YaHei Regular" charset="-122"/>
                 <a:sym typeface="Wingdings" panose="05000000000000000000" pitchFamily="2" charset="2"/>
               </a:rPr>
-              <a:t>课后作业</a:t>
+              <a:t>방과 후 숙제</a:t>
             </a:r>
             <a:endParaRPr lang="en-US" altLang="zh-CN" b="0" dirty="0">
               <a:cs typeface="Microsoft YaHei Regular" charset="-122"/>
@@ -10875,7 +11079,7 @@
         <p:spPr>
           <a:xfrm>
             <a:off x="1098154" y="1331789"/>
-            <a:ext cx="5832648" cy="3970318"/>
+            <a:ext cx="5832648" cy="3539430"/>
           </a:xfrm>
           <a:prstGeom prst="rect">
             <a:avLst/>
@@ -10889,16 +11093,16 @@
           <a:lstStyle/>
           <a:p>
             <a:r>
+              <a:rPr kumimoji="1" lang="ko-KR" altLang="en-US" sz="2800" dirty="0">
+                <a:ea typeface="微软雅黑" panose="020B0503020204020204" pitchFamily="34" charset="-122"/>
+              </a:rPr>
+              <a:t>생산 요구 </a:t>
+            </a:r>
+            <a:r>
               <a:rPr kumimoji="1" lang="zh-CN" altLang="en-US" sz="2800" dirty="0" smtClean="0">
                 <a:ea typeface="微软雅黑" panose="020B0503020204020204" pitchFamily="34" charset="-122"/>
               </a:rPr>
-              <a:t>作业</a:t>
-            </a:r>
-            <a:r>
-              <a:rPr kumimoji="1" lang="zh-CN" altLang="en-US" sz="2800" dirty="0" smtClean="0">
-                <a:ea typeface="微软雅黑" panose="020B0503020204020204" pitchFamily="34" charset="-122"/>
-              </a:rPr>
-              <a:t>要求：</a:t>
+              <a:t>：</a:t>
             </a:r>
             <a:endParaRPr kumimoji="1" lang="en-US" altLang="zh-CN" sz="2800" dirty="0" smtClean="0">
               <a:ea typeface="微软雅黑" panose="020B0503020204020204" pitchFamily="34" charset="-122"/>
@@ -10920,37 +11124,61 @@
               <a:rPr kumimoji="1" lang="zh-CN" altLang="en-US" sz="2800" dirty="0" smtClean="0">
                 <a:ea typeface="微软雅黑" panose="020B0503020204020204" pitchFamily="34" charset="-122"/>
               </a:rPr>
-              <a:t>、使用</a:t>
-            </a:r>
-            <a:r>
-              <a:rPr kumimoji="1" lang="en-US" altLang="zh-CN" sz="2800" dirty="0" err="1" smtClean="0">
+              <a:t>、</a:t>
+            </a:r>
+            <a:r>
+              <a:rPr kumimoji="1" lang="ko-KR" altLang="en-US" sz="2800" dirty="0">
+                <a:ea typeface="微软雅黑" panose="020B0503020204020204" pitchFamily="34" charset="-122"/>
+              </a:rPr>
+              <a:t> </a:t>
+            </a:r>
+            <a:r>
+              <a:rPr kumimoji="1" lang="en-US" altLang="ko-KR" sz="2800" dirty="0">
                 <a:ea typeface="微软雅黑" panose="020B0503020204020204" pitchFamily="34" charset="-122"/>
               </a:rPr>
               <a:t>vue.js</a:t>
             </a:r>
             <a:r>
+              <a:rPr kumimoji="1" lang="ko-KR" altLang="en-US" sz="2800" dirty="0">
+                <a:ea typeface="微软雅黑" panose="020B0503020204020204" pitchFamily="34" charset="-122"/>
+              </a:rPr>
+              <a:t>가 완료되면 웹 사이트</a:t>
+            </a:r>
+            <a:r>
+              <a:rPr kumimoji="1" lang="en-US" altLang="ko-KR" sz="2800" dirty="0">
+                <a:ea typeface="微软雅黑" panose="020B0503020204020204" pitchFamily="34" charset="-122"/>
+              </a:rPr>
+              <a:t>, </a:t>
+            </a:r>
+            <a:r>
+              <a:rPr kumimoji="1" lang="ko-KR" altLang="en-US" sz="2800" dirty="0">
+                <a:ea typeface="微软雅黑" panose="020B0503020204020204" pitchFamily="34" charset="-122"/>
+              </a:rPr>
+              <a:t>요구 기반의 개선</a:t>
+            </a:r>
+            <a:r>
+              <a:rPr kumimoji="1" lang="en-US" altLang="ko-KR" sz="2800" dirty="0">
+                <a:ea typeface="微软雅黑" panose="020B0503020204020204" pitchFamily="34" charset="-122"/>
+              </a:rPr>
+              <a:t>, </a:t>
+            </a:r>
+            <a:r>
+              <a:rPr kumimoji="1" lang="ko-KR" altLang="en-US" sz="2800" dirty="0">
+                <a:ea typeface="微软雅黑" panose="020B0503020204020204" pitchFamily="34" charset="-122"/>
+              </a:rPr>
+              <a:t>최종 종료시의 결과가 나타납니다</a:t>
+            </a:r>
+            <a:r>
+              <a:rPr kumimoji="1" lang="en-US" altLang="ko-KR" sz="2800" dirty="0">
+                <a:ea typeface="微软雅黑" panose="020B0503020204020204" pitchFamily="34" charset="-122"/>
+              </a:rPr>
+              <a:t>. </a:t>
+            </a:r>
+            <a:r>
               <a:rPr kumimoji="1" lang="zh-CN" altLang="en-US" sz="2800" dirty="0" smtClean="0">
                 <a:ea typeface="微软雅黑" panose="020B0503020204020204" pitchFamily="34" charset="-122"/>
               </a:rPr>
-              <a:t>完成一个待办事项的</a:t>
-            </a:r>
-            <a:r>
-              <a:rPr kumimoji="1" lang="en-US" altLang="zh-CN" sz="2800" dirty="0" smtClean="0">
-                <a:ea typeface="微软雅黑" panose="020B0503020204020204" pitchFamily="34" charset="-122"/>
-              </a:rPr>
-              <a:t>web</a:t>
-            </a:r>
-            <a:r>
-              <a:rPr kumimoji="1" lang="zh-CN" altLang="en-US" sz="2800" dirty="0" smtClean="0">
-                <a:ea typeface="微软雅黑" panose="020B0503020204020204" pitchFamily="34" charset="-122"/>
-              </a:rPr>
-              <a:t>页面</a:t>
-            </a:r>
-            <a:r>
-              <a:rPr kumimoji="1" lang="zh-CN" altLang="en-US" sz="2800" dirty="0" smtClean="0">
-                <a:ea typeface="微软雅黑" panose="020B0503020204020204" pitchFamily="34" charset="-122"/>
-              </a:rPr>
-              <a:t>，需要有基础的增删改功能，最终呈现效果如右图所示；</a:t>
+              <a:t>；</a:t>
             </a:r>
             <a:endParaRPr kumimoji="1" lang="en-US" altLang="zh-CN" sz="2800" dirty="0" smtClean="0">
               <a:ea typeface="微软雅黑" panose="020B0503020204020204" pitchFamily="34" charset="-122"/>
@@ -10972,7 +11200,61 @@
               <a:rPr kumimoji="1" lang="zh-CN" altLang="en-US" sz="2800" dirty="0" smtClean="0">
                 <a:ea typeface="微软雅黑" panose="020B0503020204020204" pitchFamily="34" charset="-122"/>
               </a:rPr>
-              <a:t>、对照提供的作业项目模板，根据课上讲到的知识点，补充相应的数据绑定、过滤器、计算属性等。</a:t>
+              <a:t>、</a:t>
+            </a:r>
+            <a:r>
+              <a:rPr kumimoji="1" lang="ko-KR" altLang="en-US" sz="2800" dirty="0">
+                <a:ea typeface="微软雅黑" panose="020B0503020204020204" pitchFamily="34" charset="-122"/>
+              </a:rPr>
+              <a:t> 설치 운영체제</a:t>
+            </a:r>
+            <a:r>
+              <a:rPr kumimoji="1" lang="en-US" altLang="ko-KR" sz="2800" dirty="0">
+                <a:ea typeface="微软雅黑" panose="020B0503020204020204" pitchFamily="34" charset="-122"/>
+              </a:rPr>
+              <a:t>, </a:t>
+            </a:r>
+            <a:r>
+              <a:rPr kumimoji="1" lang="ko-KR" altLang="en-US" sz="2800" dirty="0">
+                <a:ea typeface="微软雅黑" panose="020B0503020204020204" pitchFamily="34" charset="-122"/>
+              </a:rPr>
+              <a:t>설치 관제사</a:t>
+            </a:r>
+            <a:r>
+              <a:rPr kumimoji="1" lang="en-US" altLang="ko-KR" sz="2800" dirty="0">
+                <a:ea typeface="微软雅黑" panose="020B0503020204020204" pitchFamily="34" charset="-122"/>
+              </a:rPr>
+              <a:t>, </a:t>
+            </a:r>
+            <a:r>
+              <a:rPr kumimoji="1" lang="ko-KR" altLang="en-US" sz="2800" dirty="0">
+                <a:ea typeface="微软雅黑" panose="020B0503020204020204" pitchFamily="34" charset="-122"/>
+              </a:rPr>
+              <a:t>설치 관제사</a:t>
+            </a:r>
+            <a:r>
+              <a:rPr kumimoji="1" lang="en-US" altLang="ko-KR" sz="2800" dirty="0">
+                <a:ea typeface="微软雅黑" panose="020B0503020204020204" pitchFamily="34" charset="-122"/>
+              </a:rPr>
+              <a:t>, </a:t>
+            </a:r>
+            <a:r>
+              <a:rPr kumimoji="1" lang="ko-KR" altLang="en-US" sz="2800" dirty="0" err="1">
+                <a:ea typeface="微软雅黑" panose="020B0503020204020204" pitchFamily="34" charset="-122"/>
+              </a:rPr>
+              <a:t>수리사</a:t>
+            </a:r>
+            <a:r>
+              <a:rPr kumimoji="1" lang="ko-KR" altLang="en-US" sz="2800" dirty="0">
+                <a:ea typeface="微软雅黑" panose="020B0503020204020204" pitchFamily="34" charset="-122"/>
+              </a:rPr>
+              <a:t> 등등 </a:t>
+            </a:r>
+            <a:r>
+              <a:rPr kumimoji="1" lang="zh-CN" altLang="en-US" sz="2800" dirty="0" smtClean="0">
+                <a:ea typeface="微软雅黑" panose="020B0503020204020204" pitchFamily="34" charset="-122"/>
+              </a:rPr>
+              <a:t>。</a:t>
             </a:r>
             <a:endParaRPr kumimoji="1" lang="zh-CN" altLang="en-US" sz="2800" dirty="0">
               <a:ea typeface="微软雅黑" panose="020B0503020204020204" pitchFamily="34" charset="-122"/>
@@ -11118,11 +11400,11 @@
           </a:lstStyle>
           <a:p>
             <a:r>
-              <a:rPr lang="zh-CN" altLang="en-US" b="0" dirty="0" smtClean="0">
+              <a:rPr lang="ko-KR" altLang="en-US" b="0" dirty="0">
                 <a:cs typeface="Microsoft YaHei Regular" charset="-122"/>
                 <a:sym typeface="Wingdings" panose="05000000000000000000" pitchFamily="2" charset="2"/>
               </a:rPr>
-              <a:t>主要内容</a:t>
+              <a:t>주요 내용</a:t>
             </a:r>
             <a:endParaRPr lang="en-US" altLang="zh-CN" b="0" dirty="0">
               <a:cs typeface="Microsoft YaHei Regular" charset="-122"/>
@@ -11138,7 +11420,7 @@
           <p:nvPr>
             <p:extLst>
               <p:ext uri="{D42A27DB-BD31-4B8C-83A1-F6EECF244321}">
-                <p14:modId xmlns:p14="http://schemas.microsoft.com/office/powerpoint/2010/main" val="1395852251"/>
+                <p14:modId xmlns:p14="http://schemas.microsoft.com/office/powerpoint/2010/main" val="1062554832"/>
               </p:ext>
             </p:extLst>
           </p:nvPr>
@@ -11260,11 +11542,11 @@
           </a:lstStyle>
           <a:p>
             <a:r>
-              <a:rPr lang="zh-CN" altLang="en-US" b="0" dirty="0" smtClean="0">
+              <a:rPr lang="ko-KR" altLang="en-US" b="0" dirty="0">
                 <a:cs typeface="Microsoft YaHei Regular" charset="-122"/>
                 <a:sym typeface="Wingdings" panose="05000000000000000000" pitchFamily="2" charset="2"/>
               </a:rPr>
-              <a:t>传统前端页面的工作方式</a:t>
+              <a:t>전통적인 프론트 페이지 작업</a:t>
             </a:r>
             <a:endParaRPr lang="en-US" altLang="zh-CN" b="0" dirty="0">
               <a:cs typeface="Microsoft YaHei Regular" charset="-122"/>
@@ -11281,8 +11563,8 @@
         </p:nvSpPr>
         <p:spPr>
           <a:xfrm>
-            <a:off x="1098154" y="1783001"/>
-            <a:ext cx="11233248" cy="1200329"/>
+            <a:off x="1098154" y="2090778"/>
+            <a:ext cx="11233248" cy="1754326"/>
           </a:xfrm>
           <a:prstGeom prst="rect">
             <a:avLst/>
@@ -11301,6 +11583,19 @@
               </a:lnSpc>
             </a:pPr>
             <a:r>
+              <a:rPr kumimoji="1" lang="ko-KR" altLang="en-US" sz="2400" dirty="0" smtClean="0">
+                <a:solidFill>
+                  <a:schemeClr val="accent6">
+                    <a:lumMod val="75000"/>
+                  </a:schemeClr>
+                </a:solidFill>
+                <a:latin typeface="微软雅黑" panose="020B0503020204020204" pitchFamily="34" charset="-122"/>
+                <a:ea typeface="微软雅黑" panose="020B0503020204020204" pitchFamily="34" charset="-122"/>
+                <a:cs typeface="Microsoft YaHei Regular" charset="-122"/>
+              </a:rPr>
+              <a:t>장점</a:t>
+            </a:r>
+            <a:r>
               <a:rPr kumimoji="1" lang="zh-CN" altLang="en-US" sz="2400" dirty="0" smtClean="0">
                 <a:solidFill>
                   <a:schemeClr val="accent6">
@@ -11311,7 +11606,23 @@
                 <a:ea typeface="微软雅黑" panose="020B0503020204020204" pitchFamily="34" charset="-122"/>
                 <a:cs typeface="Microsoft YaHei Regular" charset="-122"/>
               </a:rPr>
-              <a:t>优点：</a:t>
+              <a:t>：</a:t>
+            </a:r>
+            <a:r>
+              <a:rPr kumimoji="1" lang="ko-KR" altLang="en-US" sz="2400" dirty="0">
+                <a:latin typeface="微软雅黑" panose="020B0503020204020204" pitchFamily="34" charset="-122"/>
+                <a:ea typeface="微软雅黑" panose="020B0503020204020204" pitchFamily="34" charset="-122"/>
+                <a:cs typeface="Microsoft YaHei Regular" charset="-122"/>
+              </a:rPr>
+              <a:t> 직관적 인 </a:t>
+            </a:r>
+            <a:r>
+              <a:rPr kumimoji="1" lang="ko-KR" altLang="en-US" sz="2400" dirty="0" smtClean="0">
+                <a:latin typeface="微软雅黑" panose="020B0503020204020204" pitchFamily="34" charset="-122"/>
+                <a:ea typeface="微软雅黑" panose="020B0503020204020204" pitchFamily="34" charset="-122"/>
+                <a:cs typeface="Microsoft YaHei Regular" charset="-122"/>
+              </a:rPr>
+              <a:t>코드</a:t>
             </a:r>
             <a:r>
               <a:rPr kumimoji="1" lang="zh-CN" altLang="en-US" sz="2400" dirty="0" smtClean="0">
@@ -11319,7 +11630,39 @@
                 <a:ea typeface="微软雅黑" panose="020B0503020204020204" pitchFamily="34" charset="-122"/>
                 <a:cs typeface="Microsoft YaHei Regular" charset="-122"/>
               </a:rPr>
-              <a:t>代码直观，适合简单应用。</a:t>
+              <a:t>，</a:t>
+            </a:r>
+            <a:r>
+              <a:rPr kumimoji="1" lang="ko-KR" altLang="en-US" sz="2400" dirty="0" smtClean="0">
+                <a:latin typeface="微软雅黑" panose="020B0503020204020204" pitchFamily="34" charset="-122"/>
+                <a:ea typeface="微软雅黑" panose="020B0503020204020204" pitchFamily="34" charset="-122"/>
+                <a:cs typeface="Microsoft YaHei Regular" charset="-122"/>
+              </a:rPr>
+              <a:t> 간단한 </a:t>
+            </a:r>
+            <a:r>
+              <a:rPr kumimoji="1" lang="ko-KR" altLang="en-US" sz="2400" dirty="0">
+                <a:latin typeface="微软雅黑" panose="020B0503020204020204" pitchFamily="34" charset="-122"/>
+                <a:ea typeface="微软雅黑" panose="020B0503020204020204" pitchFamily="34" charset="-122"/>
+                <a:cs typeface="Microsoft YaHei Regular" charset="-122"/>
+              </a:rPr>
+              <a:t>응용 분야에 </a:t>
+            </a:r>
+            <a:r>
+              <a:rPr kumimoji="1" lang="ko-KR" altLang="en-US" sz="2400" dirty="0" smtClean="0">
+                <a:latin typeface="微软雅黑" panose="020B0503020204020204" pitchFamily="34" charset="-122"/>
+                <a:ea typeface="微软雅黑" panose="020B0503020204020204" pitchFamily="34" charset="-122"/>
+                <a:cs typeface="Microsoft YaHei Regular" charset="-122"/>
+              </a:rPr>
+              <a:t>적합</a:t>
+            </a:r>
+            <a:r>
+              <a:rPr kumimoji="1" lang="zh-CN" altLang="en-US" sz="2400" dirty="0" smtClean="0">
+                <a:latin typeface="微软雅黑" panose="020B0503020204020204" pitchFamily="34" charset="-122"/>
+                <a:ea typeface="微软雅黑" panose="020B0503020204020204" pitchFamily="34" charset="-122"/>
+                <a:cs typeface="Microsoft YaHei Regular" charset="-122"/>
+              </a:rPr>
+              <a:t>。</a:t>
             </a:r>
             <a:endParaRPr kumimoji="1" lang="en-US" altLang="zh-CN" sz="2400" dirty="0" smtClean="0">
               <a:latin typeface="微软雅黑" panose="020B0503020204020204" pitchFamily="34" charset="-122"/>
@@ -11333,6 +11676,19 @@
                 <a:spcPct val="150000"/>
               </a:lnSpc>
             </a:pPr>
+            <a:r>
+              <a:rPr kumimoji="1" lang="ko-KR" altLang="en-US" sz="2400" dirty="0" smtClean="0">
+                <a:solidFill>
+                  <a:schemeClr val="accent6">
+                    <a:lumMod val="75000"/>
+                  </a:schemeClr>
+                </a:solidFill>
+                <a:latin typeface="微软雅黑" panose="020B0503020204020204" pitchFamily="34" charset="-122"/>
+                <a:ea typeface="微软雅黑" panose="020B0503020204020204" pitchFamily="34" charset="-122"/>
+                <a:cs typeface="Microsoft YaHei Regular" charset="-122"/>
+              </a:rPr>
+              <a:t>단점</a:t>
+            </a:r>
             <a:r>
               <a:rPr kumimoji="1" lang="zh-CN" altLang="en-US" sz="2400" dirty="0" smtClean="0">
                 <a:solidFill>
@@ -11344,7 +11700,23 @@
                 <a:ea typeface="微软雅黑" panose="020B0503020204020204" pitchFamily="34" charset="-122"/>
                 <a:cs typeface="Microsoft YaHei Regular" charset="-122"/>
               </a:rPr>
-              <a:t>缺点：</a:t>
+              <a:t>：</a:t>
+            </a:r>
+            <a:r>
+              <a:rPr kumimoji="1" lang="ko-KR" altLang="en-US" sz="2400" dirty="0">
+                <a:latin typeface="微软雅黑" panose="020B0503020204020204" pitchFamily="34" charset="-122"/>
+                <a:ea typeface="微软雅黑" panose="020B0503020204020204" pitchFamily="34" charset="-122"/>
+                <a:cs typeface="Microsoft YaHei Regular" charset="-122"/>
+              </a:rPr>
+              <a:t> 데이터가 너무 많으면 유지 관리가 </a:t>
+            </a:r>
+            <a:r>
+              <a:rPr kumimoji="1" lang="ko-KR" altLang="en-US" sz="2400" dirty="0" smtClean="0">
+                <a:latin typeface="微软雅黑" panose="020B0503020204020204" pitchFamily="34" charset="-122"/>
+                <a:ea typeface="微软雅黑" panose="020B0503020204020204" pitchFamily="34" charset="-122"/>
+                <a:cs typeface="Microsoft YaHei Regular" charset="-122"/>
+              </a:rPr>
+              <a:t>어려워집니다</a:t>
             </a:r>
             <a:r>
               <a:rPr kumimoji="1" lang="zh-CN" altLang="en-US" sz="2400" dirty="0" smtClean="0">
@@ -11352,23 +11724,39 @@
                 <a:ea typeface="微软雅黑" panose="020B0503020204020204" pitchFamily="34" charset="-122"/>
                 <a:cs typeface="Microsoft YaHei Regular" charset="-122"/>
               </a:rPr>
-              <a:t>数据过多时会增大维护难度，频繁操作刷新</a:t>
-            </a:r>
-            <a:r>
-              <a:rPr kumimoji="1" lang="en-US" altLang="zh-CN" sz="2400" dirty="0" smtClean="0">
+              <a:t>，</a:t>
+            </a:r>
+            <a:r>
+              <a:rPr kumimoji="1" lang="ko-KR" altLang="en-US" sz="2400" dirty="0">
                 <a:latin typeface="微软雅黑" panose="020B0503020204020204" pitchFamily="34" charset="-122"/>
                 <a:ea typeface="微软雅黑" panose="020B0503020204020204" pitchFamily="34" charset="-122"/>
                 <a:cs typeface="Microsoft YaHei Regular" charset="-122"/>
               </a:rPr>
+              <a:t> </a:t>
+            </a:r>
+            <a:r>
+              <a:rPr kumimoji="1" lang="en-US" altLang="ko-KR" sz="2400" dirty="0">
+                <a:latin typeface="微软雅黑" panose="020B0503020204020204" pitchFamily="34" charset="-122"/>
+                <a:ea typeface="微软雅黑" panose="020B0503020204020204" pitchFamily="34" charset="-122"/>
+                <a:cs typeface="Microsoft YaHei Regular" charset="-122"/>
+              </a:rPr>
               <a:t>DOM</a:t>
             </a:r>
             <a:r>
-              <a:rPr kumimoji="1" lang="zh-CN" altLang="en-US" sz="2400" dirty="0" smtClean="0">
+              <a:rPr kumimoji="1" lang="ko-KR" altLang="en-US" sz="2400" dirty="0">
                 <a:latin typeface="微软雅黑" panose="020B0503020204020204" pitchFamily="34" charset="-122"/>
                 <a:ea typeface="微软雅黑" panose="020B0503020204020204" pitchFamily="34" charset="-122"/>
                 <a:cs typeface="Microsoft YaHei Regular" charset="-122"/>
               </a:rPr>
-              <a:t>会降低页面的处理速度</a:t>
+              <a:t>을 새로 고치는 빈번한 작업은 페이지의 처리 속도를 감소시킵니다</a:t>
+            </a:r>
+            <a:r>
+              <a:rPr kumimoji="1" lang="en-US" altLang="ko-KR" sz="2400" dirty="0">
+                <a:latin typeface="微软雅黑" panose="020B0503020204020204" pitchFamily="34" charset="-122"/>
+                <a:ea typeface="微软雅黑" panose="020B0503020204020204" pitchFamily="34" charset="-122"/>
+                <a:cs typeface="Microsoft YaHei Regular" charset="-122"/>
+              </a:rPr>
+              <a:t>.</a:t>
             </a:r>
             <a:endParaRPr kumimoji="1" lang="zh-CN" altLang="en-US" sz="2400" dirty="0">
               <a:latin typeface="微软雅黑" panose="020B0503020204020204" pitchFamily="34" charset="-122"/>
@@ -11387,7 +11775,7 @@
         <p:spPr>
           <a:xfrm>
             <a:off x="1098154" y="1259781"/>
-            <a:ext cx="10801200" cy="461665"/>
+            <a:ext cx="10801200" cy="830997"/>
           </a:xfrm>
           <a:prstGeom prst="rect">
             <a:avLst/>
@@ -11400,7 +11788,7 @@
           <a:lstStyle/>
           <a:p>
             <a:r>
-              <a:rPr lang="en-US" altLang="zh-CN" sz="2400" dirty="0" err="1">
+              <a:rPr lang="en-US" altLang="ko-KR" sz="2400" dirty="0" err="1">
                 <a:latin typeface="微软雅黑" panose="020B0503020204020204" pitchFamily="34" charset="-122"/>
                 <a:ea typeface="微软雅黑" panose="020B0503020204020204" pitchFamily="34" charset="-122"/>
                 <a:cs typeface="Microsoft YaHei Regular" charset="-122"/>
@@ -11408,15 +11796,15 @@
               <a:t>Js</a:t>
             </a:r>
             <a:r>
-              <a:rPr lang="zh-CN" altLang="en-US" sz="2400" dirty="0">
+              <a:rPr lang="ko-KR" altLang="en-US" sz="2400" dirty="0">
                 <a:latin typeface="微软雅黑" panose="020B0503020204020204" pitchFamily="34" charset="-122"/>
                 <a:ea typeface="微软雅黑" panose="020B0503020204020204" pitchFamily="34" charset="-122"/>
                 <a:cs typeface="Microsoft YaHei Regular" charset="-122"/>
               </a:rPr>
-              <a:t>直接操作页面</a:t>
-            </a:r>
-            <a:r>
-              <a:rPr lang="en-US" altLang="zh-CN" sz="2400" dirty="0">
+              <a:t>는 페이지 </a:t>
+            </a:r>
+            <a:r>
+              <a:rPr lang="en-US" altLang="ko-KR" sz="2400" dirty="0">
                 <a:latin typeface="微软雅黑" panose="020B0503020204020204" pitchFamily="34" charset="-122"/>
                 <a:ea typeface="微软雅黑" panose="020B0503020204020204" pitchFamily="34" charset="-122"/>
                 <a:cs typeface="Microsoft YaHei Regular" charset="-122"/>
@@ -11424,13 +11812,58 @@
               <a:t>DOM</a:t>
             </a:r>
             <a:r>
-              <a:rPr lang="zh-CN" altLang="en-US" sz="2400" dirty="0">
+              <a:rPr lang="ko-KR" altLang="en-US" sz="2400" dirty="0">
                 <a:latin typeface="微软雅黑" panose="020B0503020204020204" pitchFamily="34" charset="-122"/>
                 <a:ea typeface="微软雅黑" panose="020B0503020204020204" pitchFamily="34" charset="-122"/>
                 <a:cs typeface="Microsoft YaHei Regular" charset="-122"/>
               </a:rPr>
-              <a:t>，从页面中获取数据以及改变数据。</a:t>
-            </a:r>
+              <a:t>을 직접 </a:t>
+            </a:r>
+            <a:r>
+              <a:rPr lang="ko-KR" altLang="en-US" sz="2400" dirty="0" smtClean="0">
+                <a:latin typeface="微软雅黑" panose="020B0503020204020204" pitchFamily="34" charset="-122"/>
+                <a:ea typeface="微软雅黑" panose="020B0503020204020204" pitchFamily="34" charset="-122"/>
+                <a:cs typeface="Microsoft YaHei Regular" charset="-122"/>
+              </a:rPr>
+              <a:t>조작합니다</a:t>
+            </a:r>
+            <a:r>
+              <a:rPr lang="zh-CN" altLang="en-US" sz="2400" dirty="0" smtClean="0">
+                <a:latin typeface="微软雅黑" panose="020B0503020204020204" pitchFamily="34" charset="-122"/>
+                <a:ea typeface="微软雅黑" panose="020B0503020204020204" pitchFamily="34" charset="-122"/>
+                <a:cs typeface="Microsoft YaHei Regular" charset="-122"/>
+              </a:rPr>
+              <a:t>，</a:t>
+            </a:r>
+            <a:r>
+              <a:rPr lang="ko-KR" altLang="en-US" sz="2400" dirty="0" smtClean="0">
+                <a:latin typeface="微软雅黑" panose="020B0503020204020204" pitchFamily="34" charset="-122"/>
+                <a:ea typeface="微软雅黑" panose="020B0503020204020204" pitchFamily="34" charset="-122"/>
+                <a:cs typeface="Microsoft YaHei Regular" charset="-122"/>
+              </a:rPr>
+              <a:t>페이지에서 </a:t>
+            </a:r>
+            <a:r>
+              <a:rPr lang="ko-KR" altLang="en-US" sz="2400" dirty="0">
+                <a:latin typeface="微软雅黑" panose="020B0503020204020204" pitchFamily="34" charset="-122"/>
+                <a:ea typeface="微软雅黑" panose="020B0503020204020204" pitchFamily="34" charset="-122"/>
+                <a:cs typeface="Microsoft YaHei Regular" charset="-122"/>
+              </a:rPr>
+              <a:t>데이터 가져 오기 및 데이터 변경 </a:t>
+            </a:r>
+            <a:r>
+              <a:rPr lang="zh-CN" altLang="en-US" sz="2400" dirty="0" smtClean="0">
+                <a:latin typeface="微软雅黑" panose="020B0503020204020204" pitchFamily="34" charset="-122"/>
+                <a:ea typeface="微软雅黑" panose="020B0503020204020204" pitchFamily="34" charset="-122"/>
+                <a:cs typeface="Microsoft YaHei Regular" charset="-122"/>
+              </a:rPr>
+              <a:t>。</a:t>
+            </a:r>
+            <a:endParaRPr lang="zh-CN" altLang="en-US" sz="2400" dirty="0">
+              <a:latin typeface="微软雅黑" panose="020B0503020204020204" pitchFamily="34" charset="-122"/>
+              <a:ea typeface="微软雅黑" panose="020B0503020204020204" pitchFamily="34" charset="-122"/>
+              <a:cs typeface="Microsoft YaHei Regular" charset="-122"/>
+            </a:endParaRPr>
           </a:p>
         </p:txBody>
       </p:sp>
@@ -13166,25 +13599,25 @@
           </a:lstStyle>
           <a:p>
             <a:r>
-              <a:rPr lang="zh-CN" altLang="en-US" b="0" dirty="0" smtClean="0">
+              <a:rPr lang="ko-KR" altLang="en-US" b="0" dirty="0">
                 <a:cs typeface="Microsoft YaHei Regular" charset="-122"/>
                 <a:sym typeface="Wingdings" panose="05000000000000000000" pitchFamily="2" charset="2"/>
               </a:rPr>
-              <a:t>基础语法</a:t>
-            </a:r>
-            <a:r>
-              <a:rPr lang="en-US" altLang="zh-CN" b="0" dirty="0" smtClean="0">
+              <a:t>기본 문법 </a:t>
+            </a:r>
+            <a:r>
+              <a:rPr lang="en-US" altLang="ko-KR" b="0" dirty="0">
                 <a:cs typeface="Microsoft YaHei Regular" charset="-122"/>
                 <a:sym typeface="Wingdings" panose="05000000000000000000" pitchFamily="2" charset="2"/>
               </a:rPr>
-              <a:t>-</a:t>
-            </a:r>
-            <a:r>
-              <a:rPr lang="zh-CN" altLang="en-US" b="0" dirty="0" smtClean="0">
+              <a:t>- </a:t>
+            </a:r>
+            <a:r>
+              <a:rPr lang="ko-KR" altLang="en-US" b="0" dirty="0">
                 <a:cs typeface="Microsoft YaHei Regular" charset="-122"/>
                 <a:sym typeface="Wingdings" panose="05000000000000000000" pitchFamily="2" charset="2"/>
               </a:rPr>
-              <a:t>计算属性</a:t>
+              <a:t>계산 된 속성</a:t>
             </a:r>
             <a:endParaRPr lang="en-US" altLang="zh-CN" b="0" dirty="0">
               <a:cs typeface="Microsoft YaHei Regular" charset="-122"/>
@@ -13216,10 +13649,22 @@
           <a:lstStyle/>
           <a:p>
             <a:r>
+              <a:rPr kumimoji="1" lang="ko-KR" altLang="en-US" sz="2400" dirty="0">
+                <a:ea typeface="微软雅黑" panose="020B0503020204020204" pitchFamily="34" charset="-122"/>
+              </a:rPr>
+              <a:t>보통 식을 사용하여 속성 표시 시도를 </a:t>
+            </a:r>
+            <a:r>
+              <a:rPr kumimoji="1" lang="ko-KR" altLang="en-US" sz="2400" dirty="0" smtClean="0">
+                <a:ea typeface="微软雅黑" panose="020B0503020204020204" pitchFamily="34" charset="-122"/>
+              </a:rPr>
+              <a:t>변경합니다</a:t>
+            </a:r>
+            <a:r>
               <a:rPr kumimoji="1" lang="zh-CN" altLang="en-US" sz="2400" dirty="0" smtClean="0">
                 <a:ea typeface="微软雅黑" panose="020B0503020204020204" pitchFamily="34" charset="-122"/>
               </a:rPr>
-              <a:t>通常我们会使用表达式来改变一个属性的试图显示：</a:t>
+              <a:t>：</a:t>
             </a:r>
             <a:endParaRPr kumimoji="1" lang="zh-CN" altLang="en-US" sz="2400" dirty="0">
               <a:ea typeface="微软雅黑" panose="020B0503020204020204" pitchFamily="34" charset="-122"/>
@@ -13260,7 +13705,7 @@
         <p:spPr>
           <a:xfrm>
             <a:off x="1097584" y="3131989"/>
-            <a:ext cx="9793088" cy="2862322"/>
+            <a:ext cx="9793088" cy="3416320"/>
           </a:xfrm>
           <a:prstGeom prst="rect">
             <a:avLst/>
@@ -13279,10 +13724,34 @@
               </a:lnSpc>
             </a:pPr>
             <a:r>
+              <a:rPr kumimoji="1" lang="ko-KR" altLang="en-US" sz="2400" dirty="0">
+                <a:ea typeface="微软雅黑" panose="020B0503020204020204" pitchFamily="34" charset="-122"/>
+              </a:rPr>
+              <a:t>그러한 표현식이 다중화되거나 논리가 너무 복잡하면식이 매우 부 풀릴 것입니다</a:t>
+            </a:r>
+            <a:r>
+              <a:rPr kumimoji="1" lang="en-US" altLang="ko-KR" sz="2400" dirty="0">
+                <a:ea typeface="微软雅黑" panose="020B0503020204020204" pitchFamily="34" charset="-122"/>
+              </a:rPr>
+              <a:t>.</a:t>
+            </a:r>
+            <a:r>
+              <a:rPr kumimoji="1" lang="ko-KR" altLang="en-US" sz="2400" dirty="0">
+                <a:ea typeface="微软雅黑" panose="020B0503020204020204" pitchFamily="34" charset="-122"/>
+              </a:rPr>
+              <a:t>이 시점에서 우리는 새로운 속성을 사용할 수 </a:t>
+            </a:r>
+            <a:r>
+              <a:rPr kumimoji="1" lang="ko-KR" altLang="en-US" sz="2400" dirty="0" smtClean="0">
+                <a:ea typeface="微软雅黑" panose="020B0503020204020204" pitchFamily="34" charset="-122"/>
+              </a:rPr>
+              <a:t>있습니다</a:t>
+            </a:r>
+            <a:r>
               <a:rPr kumimoji="1" lang="zh-CN" altLang="en-US" sz="2400" dirty="0" smtClean="0">
                 <a:ea typeface="微软雅黑" panose="020B0503020204020204" pitchFamily="34" charset="-122"/>
               </a:rPr>
-              <a:t>当这种表达式出现复用，或者逻辑过于复杂的时候，写表达式就会显得十分臃肿，这时我们就可以用到一个新的属性：计算属性。</a:t>
+              <a:t>。</a:t>
             </a:r>
             <a:endParaRPr kumimoji="1" lang="en-US" altLang="zh-CN" sz="2400" dirty="0" smtClean="0">
               <a:ea typeface="微软雅黑" panose="020B0503020204020204" pitchFamily="34" charset="-122"/>
@@ -13305,22 +13774,46 @@
               </a:lnSpc>
             </a:pPr>
             <a:r>
+              <a:rPr kumimoji="1" lang="ko-KR" altLang="en-US" sz="2400" dirty="0">
+                <a:ea typeface="微软雅黑" panose="020B0503020204020204" pitchFamily="34" charset="-122"/>
+              </a:rPr>
+              <a:t>계산 된 속성은 종속 속성의 값이 </a:t>
+            </a:r>
+            <a:r>
+              <a:rPr kumimoji="1" lang="ko-KR" altLang="en-US" sz="2400" dirty="0" err="1">
+                <a:ea typeface="微软雅黑" panose="020B0503020204020204" pitchFamily="34" charset="-122"/>
+              </a:rPr>
+              <a:t>변경되면이</a:t>
+            </a:r>
+            <a:r>
+              <a:rPr kumimoji="1" lang="ko-KR" altLang="en-US" sz="2400" dirty="0">
+                <a:ea typeface="微软雅黑" panose="020B0503020204020204" pitchFamily="34" charset="-122"/>
+              </a:rPr>
+              <a:t> 속성의 값이 자동으로 업데이트되고 연결된 </a:t>
+            </a:r>
+            <a:r>
+              <a:rPr kumimoji="1" lang="en-US" altLang="ko-KR" sz="2400" dirty="0">
+                <a:ea typeface="微软雅黑" panose="020B0503020204020204" pitchFamily="34" charset="-122"/>
+              </a:rPr>
+              <a:t>DOM </a:t>
+            </a:r>
+            <a:r>
+              <a:rPr kumimoji="1" lang="ko-KR" altLang="en-US" sz="2400" dirty="0">
+                <a:ea typeface="微软雅黑" panose="020B0503020204020204" pitchFamily="34" charset="-122"/>
+              </a:rPr>
+              <a:t>부분도 동 기적으로 업데이트된다는 </a:t>
+            </a:r>
+            <a:r>
+              <a:rPr kumimoji="1" lang="ko-KR" altLang="en-US" sz="2400" dirty="0" smtClean="0">
+                <a:ea typeface="微软雅黑" panose="020B0503020204020204" pitchFamily="34" charset="-122"/>
+              </a:rPr>
+              <a:t>것입니다</a:t>
+            </a:r>
+            <a:r>
               <a:rPr kumimoji="1" lang="zh-CN" altLang="en-US" sz="2400" dirty="0" smtClean="0">
                 <a:ea typeface="微软雅黑" panose="020B0503020204020204" pitchFamily="34" charset="-122"/>
               </a:rPr>
-              <a:t>计算属性就是当其依赖属性的值发生变化时，这个属性的值也会自动更新，与之相关的</a:t>
-            </a:r>
-            <a:r>
-              <a:rPr kumimoji="1" lang="en-US" altLang="zh-CN" sz="2400" dirty="0" smtClean="0">
-                <a:ea typeface="微软雅黑" panose="020B0503020204020204" pitchFamily="34" charset="-122"/>
-              </a:rPr>
-              <a:t>DOM</a:t>
-            </a:r>
-            <a:r>
-              <a:rPr kumimoji="1" lang="zh-CN" altLang="en-US" sz="2400" dirty="0" smtClean="0">
-                <a:ea typeface="微软雅黑" panose="020B0503020204020204" pitchFamily="34" charset="-122"/>
-              </a:rPr>
-              <a:t>部分也会同步更新。</a:t>
+              <a:t>。</a:t>
             </a:r>
             <a:endParaRPr kumimoji="1" lang="en-US" altLang="zh-CN" sz="2400" dirty="0" smtClean="0">
               <a:ea typeface="微软雅黑" panose="020B0503020204020204" pitchFamily="34" charset="-122"/>
@@ -13435,39 +13928,25 @@
           </a:lstStyle>
           <a:p>
             <a:r>
-              <a:rPr lang="zh-CN" altLang="en-US" b="0" dirty="0" smtClean="0">
+              <a:rPr lang="ko-KR" altLang="en-US" b="0" dirty="0">
                 <a:cs typeface="Microsoft YaHei Regular" charset="-122"/>
                 <a:sym typeface="Wingdings" panose="05000000000000000000" pitchFamily="2" charset="2"/>
               </a:rPr>
-              <a:t>基础语法</a:t>
-            </a:r>
-            <a:r>
-              <a:rPr lang="en-US" altLang="zh-CN" b="0" dirty="0" smtClean="0">
+              <a:t>기본 문법 </a:t>
+            </a:r>
+            <a:r>
+              <a:rPr lang="en-US" altLang="ko-KR" b="0" dirty="0">
                 <a:cs typeface="Microsoft YaHei Regular" charset="-122"/>
                 <a:sym typeface="Wingdings" panose="05000000000000000000" pitchFamily="2" charset="2"/>
               </a:rPr>
-              <a:t>-Class</a:t>
-            </a:r>
-            <a:r>
-              <a:rPr lang="zh-CN" altLang="en-US" b="0" dirty="0" smtClean="0">
+              <a:t>- </a:t>
+            </a:r>
+            <a:r>
+              <a:rPr lang="ko-KR" altLang="en-US" b="0" dirty="0">
                 <a:cs typeface="Microsoft YaHei Regular" charset="-122"/>
                 <a:sym typeface="Wingdings" panose="05000000000000000000" pitchFamily="2" charset="2"/>
               </a:rPr>
-              <a:t>和</a:t>
-            </a:r>
-            <a:r>
-              <a:rPr lang="en-US" altLang="zh-CN" b="0" dirty="0" smtClean="0">
-                <a:cs typeface="Microsoft YaHei Regular" charset="-122"/>
-                <a:sym typeface="Wingdings" panose="05000000000000000000" pitchFamily="2" charset="2"/>
-              </a:rPr>
-              <a:t>Style</a:t>
-            </a:r>
-            <a:r>
-              <a:rPr lang="zh-CN" altLang="en-US" b="0" dirty="0" smtClean="0">
-                <a:cs typeface="Microsoft YaHei Regular" charset="-122"/>
-                <a:sym typeface="Wingdings" panose="05000000000000000000" pitchFamily="2" charset="2"/>
-              </a:rPr>
-              <a:t>绑定</a:t>
+              <a:t>클래스 및 스타일 바인딩</a:t>
             </a:r>
             <a:endParaRPr lang="en-US" altLang="zh-CN" b="0" dirty="0">
               <a:cs typeface="Microsoft YaHei Regular" charset="-122"/>
@@ -13485,7 +13964,7 @@
         <p:spPr>
           <a:xfrm>
             <a:off x="1098154" y="1187773"/>
-            <a:ext cx="11449272" cy="2308324"/>
+            <a:ext cx="11449272" cy="3416320"/>
           </a:xfrm>
           <a:prstGeom prst="rect">
             <a:avLst/>
@@ -13504,124 +13983,166 @@
               </a:lnSpc>
             </a:pPr>
             <a:r>
-              <a:rPr lang="zh-CN" altLang="en-US" sz="2400" dirty="0">
-                <a:ea typeface="微软雅黑" panose="020B0503020204020204" pitchFamily="34" charset="-122"/>
-              </a:rPr>
-              <a:t>数据</a:t>
+              <a:rPr lang="ko-KR" altLang="en-US" sz="2400" dirty="0">
+                <a:ea typeface="微软雅黑" panose="020B0503020204020204" pitchFamily="34" charset="-122"/>
+              </a:rPr>
+              <a:t>데이터 바인딩의 공통 요구 사항은 조작 요소의 클래스 요소 목록과 인라인 </a:t>
+            </a:r>
+            <a:r>
+              <a:rPr lang="ko-KR" altLang="en-US" sz="2400" dirty="0" smtClean="0">
+                <a:ea typeface="微软雅黑" panose="020B0503020204020204" pitchFamily="34" charset="-122"/>
+              </a:rPr>
+              <a:t>스타일입니다</a:t>
             </a:r>
             <a:r>
               <a:rPr lang="zh-CN" altLang="en-US" sz="2400" dirty="0" smtClean="0">
                 <a:ea typeface="微软雅黑" panose="020B0503020204020204" pitchFamily="34" charset="-122"/>
               </a:rPr>
-              <a:t>绑定的一</a:t>
-            </a:r>
-            <a:r>
-              <a:rPr lang="zh-CN" altLang="en-US" sz="2400" dirty="0">
-                <a:ea typeface="微软雅黑" panose="020B0503020204020204" pitchFamily="34" charset="-122"/>
-              </a:rPr>
-              <a:t>个常见需求是操作元素的 </a:t>
-            </a:r>
-            <a:r>
-              <a:rPr lang="en-US" altLang="zh-CN" sz="2400" dirty="0">
-                <a:ea typeface="微软雅黑" panose="020B0503020204020204" pitchFamily="34" charset="-122"/>
-              </a:rPr>
-              <a:t>class </a:t>
-            </a:r>
-            <a:r>
-              <a:rPr lang="zh-CN" altLang="en-US" sz="2400" dirty="0">
-                <a:ea typeface="微软雅黑" panose="020B0503020204020204" pitchFamily="34" charset="-122"/>
-              </a:rPr>
-              <a:t>列表和它的内联样式</a:t>
+              <a:t>。</a:t>
+            </a:r>
+            <a:r>
+              <a:rPr lang="ko-KR" altLang="en-US" sz="2400" dirty="0" smtClean="0">
+                <a:ea typeface="微软雅黑" panose="020B0503020204020204" pitchFamily="34" charset="-122"/>
+              </a:rPr>
+              <a:t> </a:t>
+            </a:r>
+            <a:r>
+              <a:rPr lang="ko-KR" altLang="en-US" sz="2400" dirty="0">
+                <a:ea typeface="微软雅黑" panose="020B0503020204020204" pitchFamily="34" charset="-122"/>
+              </a:rPr>
+              <a:t>모든 속성이므로 </a:t>
+            </a:r>
+            <a:r>
+              <a:rPr lang="en-US" altLang="ko-KR" sz="2400" dirty="0">
+                <a:ea typeface="微软雅黑" panose="020B0503020204020204" pitchFamily="34" charset="-122"/>
+              </a:rPr>
+              <a:t>v-bind</a:t>
+            </a:r>
+            <a:r>
+              <a:rPr lang="ko-KR" altLang="en-US" sz="2400" dirty="0">
+                <a:ea typeface="微软雅黑" panose="020B0503020204020204" pitchFamily="34" charset="-122"/>
+              </a:rPr>
+              <a:t>를 사용하여 처리 할 수 있습니다</a:t>
+            </a:r>
+            <a:r>
+              <a:rPr lang="en-US" altLang="ko-KR" sz="2400" dirty="0">
+                <a:ea typeface="微软雅黑" panose="020B0503020204020204" pitchFamily="34" charset="-122"/>
+              </a:rPr>
+              <a:t>. </a:t>
+            </a:r>
+            <a:r>
+              <a:rPr lang="ko-KR" altLang="en-US" sz="2400" dirty="0">
+                <a:ea typeface="微软雅黑" panose="020B0503020204020204" pitchFamily="34" charset="-122"/>
+              </a:rPr>
+              <a:t>식의 마지막 문자열 만 </a:t>
+            </a:r>
+            <a:r>
+              <a:rPr lang="ko-KR" altLang="en-US" sz="2400" dirty="0" err="1" smtClean="0">
+                <a:ea typeface="微软雅黑" panose="020B0503020204020204" pitchFamily="34" charset="-122"/>
+              </a:rPr>
+              <a:t>계산하면됩니다</a:t>
             </a:r>
             <a:r>
               <a:rPr lang="zh-CN" altLang="en-US" sz="2400" dirty="0" smtClean="0">
                 <a:ea typeface="微软雅黑" panose="020B0503020204020204" pitchFamily="34" charset="-122"/>
               </a:rPr>
-              <a:t>。因为</a:t>
-            </a:r>
-            <a:r>
-              <a:rPr lang="zh-CN" altLang="en-US" sz="2400" dirty="0">
-                <a:ea typeface="微软雅黑" panose="020B0503020204020204" pitchFamily="34" charset="-122"/>
-              </a:rPr>
-              <a:t>它们都是属性 ，我们可以用</a:t>
-            </a:r>
-            <a:r>
-              <a:rPr lang="en-US" altLang="zh-CN" sz="2400" dirty="0">
+              <a:t>。</a:t>
+            </a:r>
+            <a:r>
+              <a:rPr lang="ko-KR" altLang="en-US" sz="2400" dirty="0" smtClean="0">
+                <a:ea typeface="微软雅黑" panose="020B0503020204020204" pitchFamily="34" charset="-122"/>
+              </a:rPr>
+              <a:t> </a:t>
+            </a:r>
+            <a:r>
+              <a:rPr lang="ko-KR" altLang="en-US" sz="2400" dirty="0">
+                <a:ea typeface="微软雅黑" panose="020B0503020204020204" pitchFamily="34" charset="-122"/>
+              </a:rPr>
+              <a:t>그러나 문자열 접합은 번거롭고 오류가 발생하기 </a:t>
+            </a:r>
+            <a:r>
+              <a:rPr lang="ko-KR" altLang="en-US" sz="2400" dirty="0" smtClean="0">
+                <a:ea typeface="微软雅黑" panose="020B0503020204020204" pitchFamily="34" charset="-122"/>
+              </a:rPr>
+              <a:t>쉽습니다</a:t>
+            </a:r>
+            <a:r>
+              <a:rPr lang="zh-CN" altLang="en-US" sz="2400" dirty="0" smtClean="0">
+                <a:ea typeface="微软雅黑" panose="020B0503020204020204" pitchFamily="34" charset="-122"/>
+              </a:rPr>
+              <a:t>。</a:t>
+            </a:r>
+            <a:r>
+              <a:rPr lang="ko-KR" altLang="en-US" sz="2400" dirty="0" smtClean="0">
+                <a:ea typeface="微软雅黑" panose="020B0503020204020204" pitchFamily="34" charset="-122"/>
+              </a:rPr>
+              <a:t> </a:t>
+            </a:r>
+            <a:r>
+              <a:rPr lang="ko-KR" altLang="en-US" sz="2400" dirty="0">
+                <a:ea typeface="微软雅黑" panose="020B0503020204020204" pitchFamily="34" charset="-122"/>
+              </a:rPr>
+              <a:t>따라서 </a:t>
+            </a:r>
+            <a:r>
+              <a:rPr lang="en-US" altLang="ko-KR" sz="2400" dirty="0">
                 <a:ea typeface="微软雅黑" panose="020B0503020204020204" pitchFamily="34" charset="-122"/>
               </a:rPr>
               <a:t>v-bind</a:t>
             </a:r>
             <a:r>
-              <a:rPr lang="zh-CN" altLang="en-US" sz="2400" dirty="0">
-                <a:ea typeface="微软雅黑" panose="020B0503020204020204" pitchFamily="34" charset="-122"/>
-              </a:rPr>
-              <a:t> 处理它们：只需要计算出表达式最终的字符串</a:t>
+              <a:rPr lang="ko-KR" altLang="en-US" sz="2400" dirty="0">
+                <a:ea typeface="微软雅黑" panose="020B0503020204020204" pitchFamily="34" charset="-122"/>
+              </a:rPr>
+              <a:t>를 클래스 및 스타일에 사용하면 </a:t>
+            </a:r>
+            <a:r>
+              <a:rPr lang="en-US" altLang="ko-KR" sz="2400" dirty="0">
+                <a:ea typeface="微软雅黑" panose="020B0503020204020204" pitchFamily="34" charset="-122"/>
+              </a:rPr>
+              <a:t>Vue.js</a:t>
+            </a:r>
+            <a:r>
+              <a:rPr lang="ko-KR" altLang="en-US" sz="2400" dirty="0">
+                <a:ea typeface="微软雅黑" panose="020B0503020204020204" pitchFamily="34" charset="-122"/>
+              </a:rPr>
+              <a:t>가 </a:t>
+            </a:r>
+            <a:r>
+              <a:rPr lang="ko-KR" altLang="en-US" sz="2400" dirty="0" err="1">
+                <a:ea typeface="微软雅黑" panose="020B0503020204020204" pitchFamily="34" charset="-122"/>
+              </a:rPr>
+              <a:t>특별히이를</a:t>
+            </a:r>
+            <a:r>
+              <a:rPr lang="ko-KR" altLang="en-US" sz="2400" dirty="0">
+                <a:ea typeface="微软雅黑" panose="020B0503020204020204" pitchFamily="34" charset="-122"/>
+              </a:rPr>
+              <a:t> 향상시킵니다</a:t>
+            </a:r>
+            <a:r>
+              <a:rPr lang="en-US" altLang="ko-KR" sz="2400" dirty="0">
+                <a:ea typeface="微软雅黑" panose="020B0503020204020204" pitchFamily="34" charset="-122"/>
+              </a:rPr>
+              <a:t>. </a:t>
+            </a:r>
+            <a:r>
+              <a:rPr lang="ko-KR" altLang="en-US" sz="2400" dirty="0">
+                <a:ea typeface="微软雅黑" panose="020B0503020204020204" pitchFamily="34" charset="-122"/>
+              </a:rPr>
+              <a:t>표현식의 결과 유형은 문자열 이외에 객체 또는 배열이 될 수 </a:t>
+            </a:r>
+            <a:r>
+              <a:rPr lang="ko-KR" altLang="en-US" sz="2400" dirty="0" smtClean="0">
+                <a:ea typeface="微软雅黑" panose="020B0503020204020204" pitchFamily="34" charset="-122"/>
+              </a:rPr>
+              <a:t>있습니다</a:t>
             </a:r>
             <a:r>
               <a:rPr lang="zh-CN" altLang="en-US" sz="2400" dirty="0" smtClean="0">
                 <a:ea typeface="微软雅黑" panose="020B0503020204020204" pitchFamily="34" charset="-122"/>
               </a:rPr>
-              <a:t>。不过</a:t>
-            </a:r>
-            <a:r>
-              <a:rPr lang="zh-CN" altLang="en-US" sz="2400" dirty="0">
-                <a:ea typeface="微软雅黑" panose="020B0503020204020204" pitchFamily="34" charset="-122"/>
-              </a:rPr>
-              <a:t>，字符串拼接麻烦又易错。因此，在 </a:t>
-            </a:r>
-            <a:r>
-              <a:rPr lang="en-US" altLang="zh-CN" sz="2400" dirty="0">
-                <a:ea typeface="微软雅黑" panose="020B0503020204020204" pitchFamily="34" charset="-122"/>
-              </a:rPr>
-              <a:t>v-bind</a:t>
-            </a:r>
-            <a:r>
-              <a:rPr lang="zh-CN" altLang="en-US" sz="2400" dirty="0">
-                <a:ea typeface="微软雅黑" panose="020B0503020204020204" pitchFamily="34" charset="-122"/>
-              </a:rPr>
-              <a:t> 用于 </a:t>
-            </a:r>
-            <a:r>
-              <a:rPr lang="en-US" altLang="zh-CN" sz="2400" dirty="0">
-                <a:ea typeface="微软雅黑" panose="020B0503020204020204" pitchFamily="34" charset="-122"/>
-              </a:rPr>
-              <a:t>class</a:t>
-            </a:r>
-            <a:r>
-              <a:rPr lang="zh-CN" altLang="en-US" sz="2400" dirty="0">
-                <a:ea typeface="微软雅黑" panose="020B0503020204020204" pitchFamily="34" charset="-122"/>
-              </a:rPr>
-              <a:t> 和 </a:t>
-            </a:r>
-            <a:r>
-              <a:rPr lang="en-US" altLang="zh-CN" sz="2400" dirty="0">
-                <a:ea typeface="微软雅黑" panose="020B0503020204020204" pitchFamily="34" charset="-122"/>
-              </a:rPr>
-              <a:t>style</a:t>
-            </a:r>
-            <a:r>
-              <a:rPr lang="zh-CN" altLang="en-US" sz="2400" dirty="0">
-                <a:ea typeface="微软雅黑" panose="020B0503020204020204" pitchFamily="34" charset="-122"/>
-              </a:rPr>
-              <a:t> 时， </a:t>
-            </a:r>
-            <a:r>
-              <a:rPr lang="en-US" altLang="zh-CN" sz="2400" dirty="0" err="1">
-                <a:ea typeface="微软雅黑" panose="020B0503020204020204" pitchFamily="34" charset="-122"/>
-              </a:rPr>
-              <a:t>Vue.js</a:t>
-            </a:r>
-            <a:r>
-              <a:rPr lang="en-US" altLang="zh-CN" sz="2400" dirty="0">
-                <a:ea typeface="微软雅黑" panose="020B0503020204020204" pitchFamily="34" charset="-122"/>
-              </a:rPr>
-              <a:t> </a:t>
-            </a:r>
-            <a:r>
-              <a:rPr lang="zh-CN" altLang="en-US" sz="2400" dirty="0">
-                <a:ea typeface="微软雅黑" panose="020B0503020204020204" pitchFamily="34" charset="-122"/>
-              </a:rPr>
-              <a:t>专门增强了它。表达式的结果类型除了字符串之外，还可以是对象或数组。</a:t>
+              <a:t>。</a:t>
             </a:r>
             <a:endParaRPr kumimoji="1" lang="zh-CN" altLang="en-US" sz="2400" dirty="0">
               <a:ea typeface="微软雅黑" panose="020B0503020204020204" pitchFamily="34" charset="-122"/>
@@ -13645,7 +14166,7 @@
         </p:blipFill>
         <p:spPr>
           <a:xfrm>
-            <a:off x="1170162" y="3856956"/>
+            <a:off x="1098154" y="4672738"/>
             <a:ext cx="9791700" cy="304800"/>
           </a:xfrm>
           <a:prstGeom prst="rect">
